--- a/ties4911-task03-YanrenQu.pptx
+++ b/ties4911-task03-YanrenQu.pptx
@@ -19,6 +19,7 @@
     <p:sldId id="271" r:id="rId13"/>
     <p:sldId id="272" r:id="rId14"/>
     <p:sldId id="273" r:id="rId15"/>
+    <p:sldId id="274" r:id="rId16"/>
   </p:sldIdLst>
   <p:sldSz cx="12192000" cy="6858000"/>
   <p:notesSz cx="6858000" cy="9144000"/>
@@ -274,7 +275,7 @@
           <a:p>
             <a:fld id="{83B9429A-B113-43DA-B97D-80749B2023C3}" type="datetimeFigureOut">
               <a:rPr lang="zh-CN" altLang="en-US" smtClean="0"/>
-              <a:t>2024/2/15</a:t>
+              <a:t>2024/2/16</a:t>
             </a:fld>
             <a:endParaRPr lang="zh-CN" altLang="en-US"/>
           </a:p>
@@ -474,7 +475,7 @@
           <a:p>
             <a:fld id="{83B9429A-B113-43DA-B97D-80749B2023C3}" type="datetimeFigureOut">
               <a:rPr lang="zh-CN" altLang="en-US" smtClean="0"/>
-              <a:t>2024/2/15</a:t>
+              <a:t>2024/2/16</a:t>
             </a:fld>
             <a:endParaRPr lang="zh-CN" altLang="en-US"/>
           </a:p>
@@ -684,7 +685,7 @@
           <a:p>
             <a:fld id="{83B9429A-B113-43DA-B97D-80749B2023C3}" type="datetimeFigureOut">
               <a:rPr lang="zh-CN" altLang="en-US" smtClean="0"/>
-              <a:t>2024/2/15</a:t>
+              <a:t>2024/2/16</a:t>
             </a:fld>
             <a:endParaRPr lang="zh-CN" altLang="en-US"/>
           </a:p>
@@ -884,7 +885,7 @@
           <a:p>
             <a:fld id="{83B9429A-B113-43DA-B97D-80749B2023C3}" type="datetimeFigureOut">
               <a:rPr lang="zh-CN" altLang="en-US" smtClean="0"/>
-              <a:t>2024/2/15</a:t>
+              <a:t>2024/2/16</a:t>
             </a:fld>
             <a:endParaRPr lang="zh-CN" altLang="en-US"/>
           </a:p>
@@ -1160,7 +1161,7 @@
           <a:p>
             <a:fld id="{83B9429A-B113-43DA-B97D-80749B2023C3}" type="datetimeFigureOut">
               <a:rPr lang="zh-CN" altLang="en-US" smtClean="0"/>
-              <a:t>2024/2/15</a:t>
+              <a:t>2024/2/16</a:t>
             </a:fld>
             <a:endParaRPr lang="zh-CN" altLang="en-US"/>
           </a:p>
@@ -1428,7 +1429,7 @@
           <a:p>
             <a:fld id="{83B9429A-B113-43DA-B97D-80749B2023C3}" type="datetimeFigureOut">
               <a:rPr lang="zh-CN" altLang="en-US" smtClean="0"/>
-              <a:t>2024/2/15</a:t>
+              <a:t>2024/2/16</a:t>
             </a:fld>
             <a:endParaRPr lang="zh-CN" altLang="en-US"/>
           </a:p>
@@ -1843,7 +1844,7 @@
           <a:p>
             <a:fld id="{83B9429A-B113-43DA-B97D-80749B2023C3}" type="datetimeFigureOut">
               <a:rPr lang="zh-CN" altLang="en-US" smtClean="0"/>
-              <a:t>2024/2/15</a:t>
+              <a:t>2024/2/16</a:t>
             </a:fld>
             <a:endParaRPr lang="zh-CN" altLang="en-US"/>
           </a:p>
@@ -1985,7 +1986,7 @@
           <a:p>
             <a:fld id="{83B9429A-B113-43DA-B97D-80749B2023C3}" type="datetimeFigureOut">
               <a:rPr lang="zh-CN" altLang="en-US" smtClean="0"/>
-              <a:t>2024/2/15</a:t>
+              <a:t>2024/2/16</a:t>
             </a:fld>
             <a:endParaRPr lang="zh-CN" altLang="en-US"/>
           </a:p>
@@ -2098,7 +2099,7 @@
           <a:p>
             <a:fld id="{83B9429A-B113-43DA-B97D-80749B2023C3}" type="datetimeFigureOut">
               <a:rPr lang="zh-CN" altLang="en-US" smtClean="0"/>
-              <a:t>2024/2/15</a:t>
+              <a:t>2024/2/16</a:t>
             </a:fld>
             <a:endParaRPr lang="zh-CN" altLang="en-US"/>
           </a:p>
@@ -2411,7 +2412,7 @@
           <a:p>
             <a:fld id="{83B9429A-B113-43DA-B97D-80749B2023C3}" type="datetimeFigureOut">
               <a:rPr lang="zh-CN" altLang="en-US" smtClean="0"/>
-              <a:t>2024/2/15</a:t>
+              <a:t>2024/2/16</a:t>
             </a:fld>
             <a:endParaRPr lang="zh-CN" altLang="en-US"/>
           </a:p>
@@ -2700,7 +2701,7 @@
           <a:p>
             <a:fld id="{83B9429A-B113-43DA-B97D-80749B2023C3}" type="datetimeFigureOut">
               <a:rPr lang="zh-CN" altLang="en-US" smtClean="0"/>
-              <a:t>2024/2/15</a:t>
+              <a:t>2024/2/16</a:t>
             </a:fld>
             <a:endParaRPr lang="zh-CN" altLang="en-US"/>
           </a:p>
@@ -2943,7 +2944,7 @@
           <a:p>
             <a:fld id="{83B9429A-B113-43DA-B97D-80749B2023C3}" type="datetimeFigureOut">
               <a:rPr lang="zh-CN" altLang="en-US" smtClean="0"/>
-              <a:t>2024/2/15</a:t>
+              <a:t>2024/2/16</a:t>
             </a:fld>
             <a:endParaRPr lang="zh-CN" altLang="en-US"/>
           </a:p>
@@ -4932,7 +4933,7 @@
           <p:nvPr>
             <p:extLst>
               <p:ext uri="{D42A27DB-BD31-4B8C-83A1-F6EECF244321}">
-                <p14:modId xmlns:p14="http://schemas.microsoft.com/office/powerpoint/2010/main" val="3246392269"/>
+                <p14:modId xmlns:p14="http://schemas.microsoft.com/office/powerpoint/2010/main" val="3003669306"/>
               </p:ext>
             </p:extLst>
           </p:nvPr>
@@ -5023,7 +5024,13 @@
                         <a:rPr lang="en-US" sz="1200" dirty="0">
                           <a:effectLst/>
                         </a:rPr>
-                        <a:t> Val Acc</a:t>
+                        <a:t> Val Acc </a:t>
+                      </a:r>
+                      <a:r>
+                        <a:rPr lang="en-US" altLang="zh-CN" sz="1200" dirty="0">
+                          <a:effectLst/>
+                        </a:rPr>
+                        <a:t>Top1</a:t>
                       </a:r>
                       <a:endParaRPr lang="zh-CN" sz="1200" dirty="0">
                         <a:effectLst/>
@@ -5453,7 +5460,7 @@
         <p:spPr>
           <a:xfrm>
             <a:off x="875286" y="1690688"/>
-            <a:ext cx="9542996" cy="3948876"/>
+            <a:ext cx="9542996" cy="1775494"/>
           </a:xfrm>
           <a:prstGeom prst="rect">
             <a:avLst/>
@@ -5521,24 +5528,6 @@
               <a:rPr lang="en-US" altLang="zh-CN" sz="2400" dirty="0"/>
               <a:t>Image Augmentations</a:t>
             </a:r>
-          </a:p>
-          <a:p>
-            <a:pPr marL="742950" indent="-742950" defTabSz="822960">
-              <a:spcAft>
-                <a:spcPts val="600"/>
-              </a:spcAft>
-              <a:buAutoNum type="arabicPeriod"/>
-            </a:pPr>
-            <a:endParaRPr lang="en-US" altLang="zh-CN" sz="2400" dirty="0"/>
-          </a:p>
-          <a:p>
-            <a:pPr marL="742950" indent="-742950" defTabSz="822960">
-              <a:spcAft>
-                <a:spcPts val="600"/>
-              </a:spcAft>
-              <a:buAutoNum type="arabicPeriod"/>
-            </a:pPr>
-            <a:endParaRPr lang="en-US" altLang="zh-CN" sz="2400" dirty="0"/>
           </a:p>
         </p:txBody>
       </p:sp>
@@ -5808,7 +5797,7 @@
           <p:nvPr>
             <p:extLst>
               <p:ext uri="{D42A27DB-BD31-4B8C-83A1-F6EECF244321}">
-                <p14:modId xmlns:p14="http://schemas.microsoft.com/office/powerpoint/2010/main" val="2468071776"/>
+                <p14:modId xmlns:p14="http://schemas.microsoft.com/office/powerpoint/2010/main" val="1218005089"/>
               </p:ext>
             </p:extLst>
           </p:nvPr>
@@ -5899,7 +5888,13 @@
                         <a:rPr lang="en-US" sz="1200" dirty="0">
                           <a:effectLst/>
                         </a:rPr>
-                        <a:t> Val Acc</a:t>
+                        <a:t> Val Acc </a:t>
+                      </a:r>
+                      <a:r>
+                        <a:rPr lang="en-US" altLang="zh-CN" sz="1200" dirty="0">
+                          <a:effectLst/>
+                        </a:rPr>
+                        <a:t>Top1</a:t>
                       </a:r>
                       <a:endParaRPr lang="zh-CN" sz="1200" dirty="0">
                         <a:effectLst/>
@@ -6794,7 +6789,7 @@
           <p:nvPr>
             <p:extLst>
               <p:ext uri="{D42A27DB-BD31-4B8C-83A1-F6EECF244321}">
-                <p14:modId xmlns:p14="http://schemas.microsoft.com/office/powerpoint/2010/main" val="464464033"/>
+                <p14:modId xmlns:p14="http://schemas.microsoft.com/office/powerpoint/2010/main" val="3357305049"/>
               </p:ext>
             </p:extLst>
           </p:nvPr>
@@ -6885,7 +6880,13 @@
                         <a:rPr lang="en-US" sz="1200" dirty="0">
                           <a:effectLst/>
                         </a:rPr>
-                        <a:t> Val Acc</a:t>
+                        <a:t> Val Acc </a:t>
+                      </a:r>
+                      <a:r>
+                        <a:rPr lang="en-US" altLang="zh-CN" sz="1200" dirty="0">
+                          <a:effectLst/>
+                        </a:rPr>
+                        <a:t>Top1</a:t>
                       </a:r>
                       <a:endParaRPr lang="zh-CN" sz="1200" dirty="0">
                         <a:effectLst/>
@@ -7640,7 +7641,7 @@
           <a:p>
             <a:r>
               <a:rPr lang="en-US" altLang="zh-CN" sz="5400" dirty="0"/>
-              <a:t>Task3-4 Results AE</a:t>
+              <a:t>Task3-4 Results AE on Cifar10</a:t>
             </a:r>
             <a:endParaRPr lang="zh-CN" altLang="en-US" sz="5400" dirty="0"/>
           </a:p>
@@ -7683,12 +7684,88 @@
           </a:p>
         </p:txBody>
       </p:sp>
+      <p:sp>
+        <p:nvSpPr>
+          <p:cNvPr id="5" name="Content Placeholder 2">
+            <a:extLst>
+              <a:ext uri="{FF2B5EF4-FFF2-40B4-BE49-F238E27FC236}">
+                <a16:creationId xmlns:a16="http://schemas.microsoft.com/office/drawing/2014/main" id="{08DFCA08-254B-6947-945B-C596D37247B2}"/>
+              </a:ext>
+            </a:extLst>
+          </p:cNvPr>
+          <p:cNvSpPr>
+            <a:spLocks/>
+          </p:cNvSpPr>
+          <p:nvPr/>
+        </p:nvSpPr>
+        <p:spPr>
+          <a:xfrm>
+            <a:off x="759516" y="1562816"/>
+            <a:ext cx="9542996" cy="1820173"/>
+          </a:xfrm>
+          <a:prstGeom prst="rect">
+            <a:avLst/>
+          </a:prstGeom>
+        </p:spPr>
+        <p:txBody>
+          <a:bodyPr/>
+          <a:lstStyle/>
+          <a:p>
+            <a:pPr marL="742950" indent="-742950" defTabSz="822960">
+              <a:spcAft>
+                <a:spcPts val="600"/>
+              </a:spcAft>
+              <a:buAutoNum type="arabicPeriod"/>
+            </a:pPr>
+            <a:r>
+              <a:rPr lang="en-US" altLang="zh-CN" sz="2400" dirty="0"/>
+              <a:t>Lr 1e-3 ~ 8e-5, epoch 100, batch size 1024</a:t>
+            </a:r>
+          </a:p>
+          <a:p>
+            <a:pPr marL="742950" indent="-742950" defTabSz="822960">
+              <a:spcAft>
+                <a:spcPts val="600"/>
+              </a:spcAft>
+              <a:buAutoNum type="arabicPeriod"/>
+            </a:pPr>
+            <a:r>
+              <a:rPr lang="en-US" altLang="zh-CN" sz="2400" dirty="0"/>
+              <a:t>Adam </a:t>
+            </a:r>
+            <a:r>
+              <a:rPr lang="pt-BR" altLang="zh-CN" sz="2400" kern="1200" dirty="0">
+                <a:solidFill>
+                  <a:schemeClr val="tx1"/>
+                </a:solidFill>
+                <a:latin typeface="+mn-lt"/>
+                <a:ea typeface="+mn-ea"/>
+                <a:cs typeface="+mn-cs"/>
+              </a:rPr>
+              <a:t>betas=(0.9, 0.999), eps=1e-08, weight_decay=1e-5</a:t>
+            </a:r>
+            <a:endParaRPr lang="en-US" altLang="zh-CN" sz="2400" dirty="0"/>
+          </a:p>
+          <a:p>
+            <a:pPr marL="742950" indent="-742950" defTabSz="822960">
+              <a:spcAft>
+                <a:spcPts val="600"/>
+              </a:spcAft>
+              <a:buAutoNum type="arabicPeriod"/>
+            </a:pPr>
+            <a:r>
+              <a:rPr lang="en-US" altLang="zh-CN" sz="2400" dirty="0"/>
+              <a:t>Loss CE</a:t>
+            </a:r>
+          </a:p>
+        </p:txBody>
+      </p:sp>
       <p:graphicFrame>
         <p:nvGraphicFramePr>
-          <p:cNvPr id="4" name="Table 3">
-            <a:extLst>
-              <a:ext uri="{FF2B5EF4-FFF2-40B4-BE49-F238E27FC236}">
-                <a16:creationId xmlns:a16="http://schemas.microsoft.com/office/drawing/2014/main" id="{22C11173-9EF3-4913-A9E9-27E2C0430847}"/>
+          <p:cNvPr id="6" name="Table 5">
+            <a:extLst>
+              <a:ext uri="{FF2B5EF4-FFF2-40B4-BE49-F238E27FC236}">
+                <a16:creationId xmlns:a16="http://schemas.microsoft.com/office/drawing/2014/main" id="{86660551-E7C7-3961-DF69-414AF2ECEA81}"/>
               </a:ext>
             </a:extLst>
           </p:cNvPr>
@@ -7698,14 +7775,14 @@
           <p:nvPr>
             <p:extLst>
               <p:ext uri="{D42A27DB-BD31-4B8C-83A1-F6EECF244321}">
-                <p14:modId xmlns:p14="http://schemas.microsoft.com/office/powerpoint/2010/main" val="2571181789"/>
+                <p14:modId xmlns:p14="http://schemas.microsoft.com/office/powerpoint/2010/main" val="928045625"/>
               </p:ext>
             </p:extLst>
           </p:nvPr>
         </p:nvGraphicFramePr>
         <p:xfrm>
-          <a:off x="1143140" y="3466183"/>
-          <a:ext cx="7723770" cy="3289410"/>
+          <a:off x="1217278" y="3041243"/>
+          <a:ext cx="7578281" cy="3297751"/>
         </p:xfrm>
         <a:graphic>
           <a:graphicData uri="http://schemas.openxmlformats.org/drawingml/2006/table">
@@ -7714,29 +7791,29 @@
                 <a:tableStyleId>{5C22544A-7EE6-4342-B048-85BDC9FD1C3A}</a:tableStyleId>
               </a:tblPr>
               <a:tblGrid>
-                <a:gridCol w="2574590">
+                <a:gridCol w="3789640">
                   <a:extLst>
                     <a:ext uri="{9D8B030D-6E8A-4147-A177-3AD203B41FA5}">
-                      <a16:colId xmlns:a16="http://schemas.microsoft.com/office/drawing/2014/main" val="91372301"/>
+                      <a16:colId xmlns:a16="http://schemas.microsoft.com/office/drawing/2014/main" val="3049905248"/>
                     </a:ext>
                   </a:extLst>
                 </a:gridCol>
-                <a:gridCol w="2574590">
+                <a:gridCol w="2123557">
                   <a:extLst>
                     <a:ext uri="{9D8B030D-6E8A-4147-A177-3AD203B41FA5}">
-                      <a16:colId xmlns:a16="http://schemas.microsoft.com/office/drawing/2014/main" val="1103733630"/>
+                      <a16:colId xmlns:a16="http://schemas.microsoft.com/office/drawing/2014/main" val="1253138539"/>
                     </a:ext>
                   </a:extLst>
                 </a:gridCol>
-                <a:gridCol w="2574590">
+                <a:gridCol w="1665084">
                   <a:extLst>
                     <a:ext uri="{9D8B030D-6E8A-4147-A177-3AD203B41FA5}">
-                      <a16:colId xmlns:a16="http://schemas.microsoft.com/office/drawing/2014/main" val="2379113566"/>
+                      <a16:colId xmlns:a16="http://schemas.microsoft.com/office/drawing/2014/main" val="1705073515"/>
                     </a:ext>
                   </a:extLst>
                 </a:gridCol>
               </a:tblGrid>
-              <a:tr h="268449">
+              <a:tr h="286327">
                 <a:tc>
                   <a:txBody>
                     <a:bodyPr/>
@@ -7744,12 +7821,12 @@
                     <a:p>
                       <a:pPr algn="just"/>
                       <a:r>
-                        <a:rPr lang="en-US" sz="1200">
+                        <a:rPr lang="en-US" sz="1200" dirty="0">
                           <a:effectLst/>
                         </a:rPr>
                         <a:t>Model</a:t>
                       </a:r>
-                      <a:endParaRPr lang="zh-CN" sz="1200">
+                      <a:endParaRPr lang="zh-CN" sz="1200" dirty="0">
                         <a:effectLst/>
                         <a:latin typeface="Times New Roman" panose="02020603050405020304" pitchFamily="18" charset="0"/>
                         <a:ea typeface="宋体" panose="02010600030101010101" pitchFamily="2" charset="-122"/>
@@ -7789,7 +7866,7 @@
                         <a:rPr lang="en-US" sz="1200" dirty="0">
                           <a:effectLst/>
                         </a:rPr>
-                        <a:t> Val Acc</a:t>
+                        <a:t> Val Acc Top1</a:t>
                       </a:r>
                       <a:endParaRPr lang="zh-CN" sz="1200" dirty="0">
                         <a:effectLst/>
@@ -7802,11 +7879,11 @@
                 </a:tc>
                 <a:extLst>
                   <a:ext uri="{0D108BD9-81ED-4DB2-BD59-A6C34878D82A}">
-                    <a16:rowId xmlns:a16="http://schemas.microsoft.com/office/drawing/2014/main" val="1647743062"/>
+                    <a16:rowId xmlns:a16="http://schemas.microsoft.com/office/drawing/2014/main" val="2781599134"/>
                   </a:ext>
                 </a:extLst>
               </a:tr>
-              <a:tr h="643521">
+              <a:tr h="267347">
                 <a:tc>
                   <a:txBody>
                     <a:bodyPr/>
@@ -7817,23 +7894,24 @@
                         <a:rPr lang="en-US" sz="1200" dirty="0">
                           <a:effectLst/>
                         </a:rPr>
-                        <a:t>Sparse AE</a:t>
+                        <a:t>Sparse AE (undercomplete)</a:t>
                       </a:r>
                     </a:p>
                     <a:p>
                       <a:pPr algn="just"/>
                       <a:r>
-                        <a:rPr lang="en-US" altLang="zh-CN" sz="1200" dirty="0">
+                        <a:rPr lang="en-US" sz="1200" dirty="0">
                           <a:effectLst/>
                           <a:latin typeface="Times New Roman" panose="02020603050405020304" pitchFamily="18" charset="0"/>
                           <a:ea typeface="宋体" panose="02010600030101010101" pitchFamily="2" charset="-122"/>
                         </a:rPr>
-                        <a:t>784-128-784-18</a:t>
+                        <a:t>784-512-128-512-784-18</a:t>
                       </a:r>
-                      <a:endParaRPr lang="zh-CN" sz="1200" dirty="0">
+                    </a:p>
+                    <a:p>
+                      <a:pPr algn="just"/>
+                      <a:endParaRPr lang="en-US" sz="1200" dirty="0">
                         <a:effectLst/>
-                        <a:latin typeface="Times New Roman" panose="02020603050405020304" pitchFamily="18" charset="0"/>
-                        <a:ea typeface="宋体" panose="02010600030101010101" pitchFamily="2" charset="-122"/>
                       </a:endParaRPr>
                     </a:p>
                   </a:txBody>
@@ -7849,7 +7927,7 @@
                         <a:rPr lang="en-US" sz="1200" dirty="0">
                           <a:effectLst/>
                         </a:rPr>
-                        <a:t>7.78e-4</a:t>
+                        <a:t>1.5377e-3</a:t>
                       </a:r>
                       <a:endParaRPr lang="zh-CN" sz="1200" dirty="0">
                         <a:effectLst/>
@@ -7870,7 +7948,7 @@
                         <a:rPr lang="en-US" sz="1200" dirty="0">
                           <a:effectLst/>
                         </a:rPr>
-                        <a:t>89.4%</a:t>
+                        <a:t>90.07%</a:t>
                       </a:r>
                       <a:endParaRPr lang="zh-CN" sz="1200" dirty="0">
                         <a:effectLst/>
@@ -7883,11 +7961,11 @@
                 </a:tc>
                 <a:extLst>
                   <a:ext uri="{0D108BD9-81ED-4DB2-BD59-A6C34878D82A}">
-                    <a16:rowId xmlns:a16="http://schemas.microsoft.com/office/drawing/2014/main" val="4242819450"/>
+                    <a16:rowId xmlns:a16="http://schemas.microsoft.com/office/drawing/2014/main" val="2751015753"/>
                   </a:ext>
                 </a:extLst>
               </a:tr>
-              <a:tr h="713150">
+              <a:tr h="256771">
                 <a:tc>
                   <a:txBody>
                     <a:bodyPr/>
@@ -7895,10 +7973,10 @@
                     <a:p>
                       <a:pPr algn="just"/>
                       <a:r>
-                        <a:rPr lang="en-US" sz="1200" dirty="0">
+                        <a:rPr lang="en-US" altLang="zh-CN" sz="1200" dirty="0">
                           <a:effectLst/>
                         </a:rPr>
-                        <a:t>Deep AE</a:t>
+                        <a:t>Sparse AE (overcomplete)</a:t>
                       </a:r>
                     </a:p>
                     <a:p>
@@ -7909,23 +7987,13 @@
                           <a:latin typeface="Times New Roman" panose="02020603050405020304" pitchFamily="18" charset="0"/>
                           <a:ea typeface="宋体" panose="02010600030101010101" pitchFamily="2" charset="-122"/>
                         </a:rPr>
-                        <a:t>784-4096-2048-1024-2048-4096-18</a:t>
+                        <a:t>784-1024-2048-1024-784-18</a:t>
                       </a:r>
                     </a:p>
                     <a:p>
                       <a:pPr algn="just"/>
                       <a:endParaRPr lang="en-US" altLang="zh-CN" sz="1200" dirty="0">
                         <a:effectLst/>
-                        <a:latin typeface="Times New Roman" panose="02020603050405020304" pitchFamily="18" charset="0"/>
-                        <a:ea typeface="宋体" panose="02010600030101010101" pitchFamily="2" charset="-122"/>
-                      </a:endParaRPr>
-                    </a:p>
-                    <a:p>
-                      <a:pPr algn="just"/>
-                      <a:endParaRPr lang="zh-CN" sz="1200" dirty="0">
-                        <a:effectLst/>
-                        <a:latin typeface="Times New Roman" panose="02020603050405020304" pitchFamily="18" charset="0"/>
-                        <a:ea typeface="宋体" panose="02010600030101010101" pitchFamily="2" charset="-122"/>
                       </a:endParaRPr>
                     </a:p>
                   </a:txBody>
@@ -7938,12 +8006,10 @@
                     <a:p>
                       <a:pPr algn="just"/>
                       <a:r>
-                        <a:rPr lang="en-US" altLang="zh-CN" sz="1200" dirty="0">
+                        <a:rPr lang="en-US" sz="1200" dirty="0">
                           <a:effectLst/>
-                          <a:latin typeface="Times New Roman" panose="02020603050405020304" pitchFamily="18" charset="0"/>
-                          <a:ea typeface="宋体" panose="02010600030101010101" pitchFamily="2" charset="-122"/>
                         </a:rPr>
-                        <a:t>5.24e-4</a:t>
+                        <a:t>0.0143</a:t>
                       </a:r>
                       <a:endParaRPr lang="zh-CN" sz="1200" dirty="0">
                         <a:effectLst/>
@@ -7964,7 +8030,7 @@
                         <a:rPr lang="en-US" sz="1200" dirty="0">
                           <a:effectLst/>
                         </a:rPr>
-                        <a:t>90.1%</a:t>
+                        <a:t>89.52%</a:t>
                       </a:r>
                       <a:endParaRPr lang="zh-CN" sz="1200" dirty="0">
                         <a:effectLst/>
@@ -7977,11 +8043,11 @@
                 </a:tc>
                 <a:extLst>
                   <a:ext uri="{0D108BD9-81ED-4DB2-BD59-A6C34878D82A}">
-                    <a16:rowId xmlns:a16="http://schemas.microsoft.com/office/drawing/2014/main" val="2655415310"/>
+                    <a16:rowId xmlns:a16="http://schemas.microsoft.com/office/drawing/2014/main" val="537932868"/>
                   </a:ext>
                 </a:extLst>
               </a:tr>
-              <a:tr h="713150">
+              <a:tr h="175491">
                 <a:tc>
                   <a:txBody>
                     <a:bodyPr/>
@@ -7992,23 +8058,8 @@
                         <a:rPr lang="en-US" altLang="zh-CN" sz="1200" dirty="0">
                           <a:effectLst/>
                         </a:rPr>
-                        <a:t>Vanilla AE</a:t>
+                        <a:t>Denoising AE </a:t>
                       </a:r>
-                    </a:p>
-                    <a:p>
-                      <a:pPr algn="just"/>
-                      <a:r>
-                        <a:rPr lang="en-US" altLang="zh-CN" sz="1200" dirty="0">
-                          <a:effectLst/>
-                        </a:rPr>
-                        <a:t>With image augmentation</a:t>
-                      </a:r>
-                    </a:p>
-                    <a:p>
-                      <a:pPr algn="just"/>
-                      <a:endParaRPr lang="en-US" altLang="zh-CN" sz="1200" dirty="0">
-                        <a:effectLst/>
-                      </a:endParaRPr>
                     </a:p>
                     <a:p>
                       <a:pPr algn="just"/>
@@ -8018,12 +8069,13 @@
                           <a:latin typeface="Times New Roman" panose="02020603050405020304" pitchFamily="18" charset="0"/>
                           <a:ea typeface="宋体" panose="02010600030101010101" pitchFamily="2" charset="-122"/>
                         </a:rPr>
-                        <a:t>784-128-784-18</a:t>
+                        <a:t>784-512-512-512-512-512-18</a:t>
                       </a:r>
-                      <a:endParaRPr lang="zh-CN" altLang="zh-CN" sz="1200" dirty="0">
+                    </a:p>
+                    <a:p>
+                      <a:pPr algn="just"/>
+                      <a:endParaRPr lang="en-US" sz="1200" dirty="0">
                         <a:effectLst/>
-                        <a:latin typeface="Times New Roman" panose="02020603050405020304" pitchFamily="18" charset="0"/>
-                        <a:ea typeface="宋体" panose="02010600030101010101" pitchFamily="2" charset="-122"/>
                       </a:endParaRPr>
                     </a:p>
                   </a:txBody>
@@ -8039,7 +8091,7 @@
                         <a:rPr lang="en-US" sz="1200" dirty="0">
                           <a:effectLst/>
                         </a:rPr>
-                        <a:t>0.8036</a:t>
+                        <a:t>4.7232e-5</a:t>
                       </a:r>
                       <a:endParaRPr lang="zh-CN" sz="1200" dirty="0">
                         <a:effectLst/>
@@ -8060,7 +8112,7 @@
                         <a:rPr lang="en-US" sz="1200" dirty="0">
                           <a:effectLst/>
                         </a:rPr>
-                        <a:t>82.3%</a:t>
+                        <a:t>90.41%</a:t>
                       </a:r>
                       <a:endParaRPr lang="zh-CN" sz="1200" dirty="0">
                         <a:effectLst/>
@@ -8073,11 +8125,11 @@
                 </a:tc>
                 <a:extLst>
                   <a:ext uri="{0D108BD9-81ED-4DB2-BD59-A6C34878D82A}">
-                    <a16:rowId xmlns:a16="http://schemas.microsoft.com/office/drawing/2014/main" val="1862353837"/>
+                    <a16:rowId xmlns:a16="http://schemas.microsoft.com/office/drawing/2014/main" val="1340681143"/>
                   </a:ext>
                 </a:extLst>
               </a:tr>
-              <a:tr h="891438">
+              <a:tr h="136191">
                 <a:tc>
                   <a:txBody>
                     <a:bodyPr/>
@@ -8085,16 +8137,21 @@
                     <a:p>
                       <a:pPr algn="just"/>
                       <a:r>
-                        <a:rPr lang="en-US" sz="1200" dirty="0">
+                        <a:rPr lang="en-US" altLang="zh-CN" sz="1200" dirty="0">
                           <a:effectLst/>
                         </a:rPr>
-                        <a:t> </a:t>
+                        <a:t>Denoising AE </a:t>
                       </a:r>
+                    </a:p>
+                    <a:p>
+                      <a:pPr algn="just"/>
                       <a:r>
                         <a:rPr lang="en-US" altLang="zh-CN" sz="1200" dirty="0">
                           <a:effectLst/>
+                          <a:latin typeface="Times New Roman" panose="02020603050405020304" pitchFamily="18" charset="0"/>
+                          <a:ea typeface="宋体" panose="02010600030101010101" pitchFamily="2" charset="-122"/>
                         </a:rPr>
-                        <a:t>Deep AE</a:t>
+                        <a:t>784-1024-1024-1024-1024-1024-18</a:t>
                       </a:r>
                     </a:p>
                     <a:p>
@@ -8115,37 +8172,7 @@
                         <a:tabLst/>
                         <a:defRPr/>
                       </a:pPr>
-                      <a:r>
-                        <a:rPr lang="en-US" altLang="zh-CN" sz="1200" dirty="0">
-                          <a:effectLst/>
-                        </a:rPr>
-                        <a:t>With image augmentation</a:t>
-                      </a:r>
-                    </a:p>
-                    <a:p>
-                      <a:pPr algn="just"/>
-                      <a:endParaRPr lang="en-US" altLang="zh-CN" sz="1200" dirty="0">
-                        <a:effectLst/>
-                      </a:endParaRPr>
-                    </a:p>
-                    <a:p>
-                      <a:pPr algn="just"/>
-                      <a:r>
-                        <a:rPr lang="en-US" altLang="zh-CN" sz="1200" dirty="0">
-                          <a:effectLst/>
-                          <a:latin typeface="Times New Roman" panose="02020603050405020304" pitchFamily="18" charset="0"/>
-                          <a:ea typeface="宋体" panose="02010600030101010101" pitchFamily="2" charset="-122"/>
-                        </a:rPr>
-                        <a:t>784-4096-2048-1024-2048-4096-18</a:t>
-                      </a:r>
-                    </a:p>
-                    <a:p>
-                      <a:pPr algn="just"/>
-                      <a:endParaRPr lang="zh-CN" sz="1200" dirty="0">
-                        <a:effectLst/>
-                        <a:latin typeface="Times New Roman" panose="02020603050405020304" pitchFamily="18" charset="0"/>
-                        <a:ea typeface="宋体" panose="02010600030101010101" pitchFamily="2" charset="-122"/>
-                      </a:endParaRPr>
+                      <a:endParaRPr lang="en-US" altLang="zh-CN" sz="1200" dirty="0"/>
                     </a:p>
                   </a:txBody>
                   <a:tcPr marL="68580" marR="68580" marT="0" marB="0"/>
@@ -8157,12 +8184,12 @@
                     <a:p>
                       <a:pPr algn="just"/>
                       <a:r>
-                        <a:rPr lang="en-US" sz="1200" dirty="0">
+                        <a:rPr lang="en-US" altLang="zh-CN" sz="1200" dirty="0">
                           <a:effectLst/>
                         </a:rPr>
-                        <a:t> 0.6258</a:t>
+                        <a:t>4.8498e-5</a:t>
                       </a:r>
-                      <a:endParaRPr lang="zh-CN" sz="1200" dirty="0">
+                      <a:endParaRPr lang="zh-CN" altLang="zh-CN" sz="1200" dirty="0">
                         <a:effectLst/>
                         <a:latin typeface="Times New Roman" panose="02020603050405020304" pitchFamily="18" charset="0"/>
                         <a:ea typeface="宋体" panose="02010600030101010101" pitchFamily="2" charset="-122"/>
@@ -8181,7 +8208,7 @@
                         <a:rPr lang="en-US" sz="1200" dirty="0">
                           <a:effectLst/>
                         </a:rPr>
-                        <a:t>86.6%</a:t>
+                        <a:t>90.80%</a:t>
                       </a:r>
                       <a:endParaRPr lang="zh-CN" sz="1200" dirty="0">
                         <a:effectLst/>
@@ -8194,7 +8221,143 @@
                 </a:tc>
                 <a:extLst>
                   <a:ext uri="{0D108BD9-81ED-4DB2-BD59-A6C34878D82A}">
-                    <a16:rowId xmlns:a16="http://schemas.microsoft.com/office/drawing/2014/main" val="2626619569"/>
+                    <a16:rowId xmlns:a16="http://schemas.microsoft.com/office/drawing/2014/main" val="1528118001"/>
+                  </a:ext>
+                </a:extLst>
+              </a:tr>
+              <a:tr h="268224">
+                <a:tc>
+                  <a:txBody>
+                    <a:bodyPr/>
+                    <a:lstStyle/>
+                    <a:p>
+                      <a:pPr algn="just"/>
+                      <a:r>
+                        <a:rPr lang="en-US" altLang="zh-CN" sz="1200" dirty="0">
+                          <a:effectLst/>
+                        </a:rPr>
+                        <a:t>Denoising AE </a:t>
+                      </a:r>
+                    </a:p>
+                    <a:p>
+                      <a:pPr algn="just"/>
+                      <a:r>
+                        <a:rPr lang="en-US" altLang="zh-CN" sz="1200" dirty="0">
+                          <a:effectLst/>
+                          <a:latin typeface="Times New Roman" panose="02020603050405020304" pitchFamily="18" charset="0"/>
+                          <a:ea typeface="宋体" panose="02010600030101010101" pitchFamily="2" charset="-122"/>
+                        </a:rPr>
+                        <a:t>784-784-784-784-784-784-18</a:t>
+                      </a:r>
+                    </a:p>
+                    <a:p>
+                      <a:pPr algn="just"/>
+                      <a:endParaRPr lang="zh-CN" sz="1200" dirty="0">
+                        <a:effectLst/>
+                        <a:latin typeface="Times New Roman" panose="02020603050405020304" pitchFamily="18" charset="0"/>
+                        <a:ea typeface="宋体" panose="02010600030101010101" pitchFamily="2" charset="-122"/>
+                      </a:endParaRPr>
+                    </a:p>
+                  </a:txBody>
+                  <a:tcPr marL="68580" marR="68580" marT="0" marB="0"/>
+                </a:tc>
+                <a:tc>
+                  <a:txBody>
+                    <a:bodyPr/>
+                    <a:lstStyle/>
+                    <a:p>
+                      <a:pPr algn="just"/>
+                      <a:r>
+                        <a:rPr lang="en-US" altLang="zh-CN" sz="1200" dirty="0">
+                          <a:effectLst/>
+                        </a:rPr>
+                        <a:t>4.6531e-5</a:t>
+                      </a:r>
+                      <a:endParaRPr lang="zh-CN" altLang="zh-CN" sz="1200" dirty="0">
+                        <a:effectLst/>
+                        <a:latin typeface="Times New Roman" panose="02020603050405020304" pitchFamily="18" charset="0"/>
+                        <a:ea typeface="宋体" panose="02010600030101010101" pitchFamily="2" charset="-122"/>
+                      </a:endParaRPr>
+                    </a:p>
+                  </a:txBody>
+                  <a:tcPr marL="68580" marR="68580" marT="0" marB="0"/>
+                </a:tc>
+                <a:tc>
+                  <a:txBody>
+                    <a:bodyPr/>
+                    <a:lstStyle/>
+                    <a:p>
+                      <a:pPr algn="just"/>
+                      <a:r>
+                        <a:rPr lang="en-US" sz="1200" dirty="0">
+                          <a:effectLst/>
+                        </a:rPr>
+                        <a:t>90.69%</a:t>
+                      </a:r>
+                      <a:endParaRPr lang="zh-CN" sz="1200" dirty="0">
+                        <a:effectLst/>
+                        <a:latin typeface="Times New Roman" panose="02020603050405020304" pitchFamily="18" charset="0"/>
+                        <a:ea typeface="宋体" panose="02010600030101010101" pitchFamily="2" charset="-122"/>
+                      </a:endParaRPr>
+                    </a:p>
+                  </a:txBody>
+                  <a:tcPr marL="68580" marR="68580" marT="0" marB="0"/>
+                </a:tc>
+                <a:extLst>
+                  <a:ext uri="{0D108BD9-81ED-4DB2-BD59-A6C34878D82A}">
+                    <a16:rowId xmlns:a16="http://schemas.microsoft.com/office/drawing/2014/main" val="4136670672"/>
+                  </a:ext>
+                </a:extLst>
+              </a:tr>
+              <a:tr h="268224">
+                <a:tc>
+                  <a:txBody>
+                    <a:bodyPr/>
+                    <a:lstStyle/>
+                    <a:p>
+                      <a:pPr algn="just"/>
+                      <a:endParaRPr lang="zh-CN" sz="1200" dirty="0">
+                        <a:effectLst/>
+                        <a:latin typeface="Times New Roman" panose="02020603050405020304" pitchFamily="18" charset="0"/>
+                        <a:ea typeface="宋体" panose="02010600030101010101" pitchFamily="2" charset="-122"/>
+                      </a:endParaRPr>
+                    </a:p>
+                  </a:txBody>
+                  <a:tcPr marL="68580" marR="68580" marT="0" marB="0"/>
+                </a:tc>
+                <a:tc>
+                  <a:txBody>
+                    <a:bodyPr/>
+                    <a:lstStyle/>
+                    <a:p>
+                      <a:pPr algn="just"/>
+                      <a:endParaRPr lang="zh-CN" sz="1200" dirty="0">
+                        <a:effectLst/>
+                        <a:latin typeface="Times New Roman" panose="02020603050405020304" pitchFamily="18" charset="0"/>
+                        <a:ea typeface="宋体" panose="02010600030101010101" pitchFamily="2" charset="-122"/>
+                      </a:endParaRPr>
+                    </a:p>
+                  </a:txBody>
+                  <a:tcPr marL="68580" marR="68580" marT="0" marB="0"/>
+                </a:tc>
+                <a:tc>
+                  <a:txBody>
+                    <a:bodyPr/>
+                    <a:lstStyle/>
+                    <a:p>
+                      <a:pPr algn="just"/>
+                      <a:endParaRPr lang="zh-CN" sz="1200" dirty="0">
+                        <a:effectLst/>
+                        <a:latin typeface="Times New Roman" panose="02020603050405020304" pitchFamily="18" charset="0"/>
+                        <a:ea typeface="宋体" panose="02010600030101010101" pitchFamily="2" charset="-122"/>
+                      </a:endParaRPr>
+                    </a:p>
+                  </a:txBody>
+                  <a:tcPr marL="68580" marR="68580" marT="0" marB="0"/>
+                </a:tc>
+                <a:extLst>
+                  <a:ext uri="{0D108BD9-81ED-4DB2-BD59-A6C34878D82A}">
+                    <a16:rowId xmlns:a16="http://schemas.microsoft.com/office/drawing/2014/main" val="1231911892"/>
                   </a:ext>
                 </a:extLst>
               </a:tr>
@@ -8202,12 +8365,151 @@
           </a:graphicData>
         </a:graphic>
       </p:graphicFrame>
+      <p:pic>
+        <p:nvPicPr>
+          <p:cNvPr id="8" name="Picture 7">
+            <a:extLst>
+              <a:ext uri="{FF2B5EF4-FFF2-40B4-BE49-F238E27FC236}">
+                <a16:creationId xmlns:a16="http://schemas.microsoft.com/office/drawing/2014/main" id="{C021D204-E714-9338-7384-5FFBFF093BD4}"/>
+              </a:ext>
+            </a:extLst>
+          </p:cNvPr>
+          <p:cNvPicPr>
+            <a:picLocks noChangeAspect="1"/>
+          </p:cNvPicPr>
+          <p:nvPr/>
+        </p:nvPicPr>
+        <p:blipFill>
+          <a:blip r:embed="rId2"/>
+          <a:stretch>
+            <a:fillRect/>
+          </a:stretch>
+        </p:blipFill>
+        <p:spPr>
+          <a:xfrm>
+            <a:off x="10053051" y="106133"/>
+            <a:ext cx="1843342" cy="6645734"/>
+          </a:xfrm>
+          <a:prstGeom prst="rect">
+            <a:avLst/>
+          </a:prstGeom>
+        </p:spPr>
+      </p:pic>
+    </p:spTree>
+    <p:extLst>
+      <p:ext uri="{BB962C8B-B14F-4D97-AF65-F5344CB8AC3E}">
+        <p14:creationId xmlns:p14="http://schemas.microsoft.com/office/powerpoint/2010/main" val="878790873"/>
+      </p:ext>
+    </p:extLst>
+  </p:cSld>
+  <p:clrMapOvr>
+    <a:masterClrMapping/>
+  </p:clrMapOvr>
+</p:sld>
+</file>
+
+<file path=ppt/slides/slide15.xml><?xml version="1.0" encoding="utf-8"?>
+<p:sld xmlns:a="http://schemas.openxmlformats.org/drawingml/2006/main" xmlns:r="http://schemas.openxmlformats.org/officeDocument/2006/relationships" xmlns:p="http://schemas.openxmlformats.org/presentationml/2006/main">
+  <p:cSld>
+    <p:spTree>
+      <p:nvGrpSpPr>
+        <p:cNvPr id="1" name="">
+          <a:extLst>
+            <a:ext uri="{FF2B5EF4-FFF2-40B4-BE49-F238E27FC236}">
+              <a16:creationId xmlns:a16="http://schemas.microsoft.com/office/drawing/2014/main" id="{A6915050-F927-BD4D-1B8B-3C2B195A7404}"/>
+            </a:ext>
+          </a:extLst>
+        </p:cNvPr>
+        <p:cNvGrpSpPr/>
+        <p:nvPr/>
+      </p:nvGrpSpPr>
+      <p:grpSpPr>
+        <a:xfrm>
+          <a:off x="0" y="0"/>
+          <a:ext cx="0" cy="0"/>
+          <a:chOff x="0" y="0"/>
+          <a:chExt cx="0" cy="0"/>
+        </a:xfrm>
+      </p:grpSpPr>
+      <p:sp>
+        <p:nvSpPr>
+          <p:cNvPr id="2" name="Title 1">
+            <a:extLst>
+              <a:ext uri="{FF2B5EF4-FFF2-40B4-BE49-F238E27FC236}">
+                <a16:creationId xmlns:a16="http://schemas.microsoft.com/office/drawing/2014/main" id="{D5229EBE-08EC-A73A-3FCB-B0BEC3074648}"/>
+              </a:ext>
+            </a:extLst>
+          </p:cNvPr>
+          <p:cNvSpPr>
+            <a:spLocks noGrp="1"/>
+          </p:cNvSpPr>
+          <p:nvPr>
+            <p:ph type="title"/>
+          </p:nvPr>
+        </p:nvSpPr>
+        <p:spPr>
+          <a:xfrm>
+            <a:off x="67594" y="237253"/>
+            <a:ext cx="9877647" cy="1325563"/>
+          </a:xfrm>
+        </p:spPr>
+        <p:txBody>
+          <a:bodyPr>
+            <a:normAutofit fontScale="90000"/>
+          </a:bodyPr>
+          <a:lstStyle/>
+          <a:p>
+            <a:r>
+              <a:rPr lang="en-US" altLang="zh-CN" sz="5400" dirty="0"/>
+              <a:t>Task3-5 Results CNN-AE on Cifar10</a:t>
+            </a:r>
+            <a:endParaRPr lang="zh-CN" altLang="en-US" sz="5400" dirty="0"/>
+          </a:p>
+        </p:txBody>
+      </p:sp>
+      <p:sp>
+        <p:nvSpPr>
+          <p:cNvPr id="3" name="Content Placeholder 2">
+            <a:extLst>
+              <a:ext uri="{FF2B5EF4-FFF2-40B4-BE49-F238E27FC236}">
+                <a16:creationId xmlns:a16="http://schemas.microsoft.com/office/drawing/2014/main" id="{7947B315-7F8F-CC67-D325-ECFC699C650F}"/>
+              </a:ext>
+            </a:extLst>
+          </p:cNvPr>
+          <p:cNvSpPr>
+            <a:spLocks/>
+          </p:cNvSpPr>
+          <p:nvPr/>
+        </p:nvSpPr>
+        <p:spPr>
+          <a:xfrm>
+            <a:off x="1324502" y="2218851"/>
+            <a:ext cx="9542996" cy="3948876"/>
+          </a:xfrm>
+          <a:prstGeom prst="rect">
+            <a:avLst/>
+          </a:prstGeom>
+        </p:spPr>
+        <p:txBody>
+          <a:bodyPr/>
+          <a:lstStyle/>
+          <a:p>
+            <a:pPr marL="742950" indent="-742950" defTabSz="822960">
+              <a:spcAft>
+                <a:spcPts val="600"/>
+              </a:spcAft>
+              <a:buAutoNum type="arabicPeriod"/>
+            </a:pPr>
+            <a:endParaRPr lang="zh-CN" altLang="en-US" sz="3600" dirty="0"/>
+          </a:p>
+        </p:txBody>
+      </p:sp>
       <p:sp>
         <p:nvSpPr>
           <p:cNvPr id="5" name="Content Placeholder 2">
             <a:extLst>
               <a:ext uri="{FF2B5EF4-FFF2-40B4-BE49-F238E27FC236}">
-                <a16:creationId xmlns:a16="http://schemas.microsoft.com/office/drawing/2014/main" id="{08DFCA08-254B-6947-945B-C596D37247B2}"/>
+                <a16:creationId xmlns:a16="http://schemas.microsoft.com/office/drawing/2014/main" id="{5E35C42B-AC0A-319A-4414-402BF73C57E7}"/>
               </a:ext>
             </a:extLst>
           </p:cNvPr>
@@ -8276,43 +8578,579 @@
               <a:t>Loss CE</a:t>
             </a:r>
           </a:p>
-          <a:p>
-            <a:pPr marL="742950" indent="-742950" defTabSz="822960">
-              <a:spcAft>
-                <a:spcPts val="600"/>
-              </a:spcAft>
-              <a:buAutoNum type="arabicPeriod"/>
-            </a:pPr>
-            <a:r>
-              <a:rPr lang="en-US" altLang="zh-CN" sz="2400" dirty="0"/>
-              <a:t>Image Augmentations</a:t>
-            </a:r>
-          </a:p>
-          <a:p>
-            <a:pPr marL="742950" indent="-742950" defTabSz="822960">
-              <a:spcAft>
-                <a:spcPts val="600"/>
-              </a:spcAft>
-              <a:buAutoNum type="arabicPeriod"/>
-            </a:pPr>
-            <a:endParaRPr lang="en-US" altLang="zh-CN" sz="2400" dirty="0"/>
-          </a:p>
-          <a:p>
-            <a:pPr defTabSz="822960">
-              <a:spcAft>
-                <a:spcPts val="600"/>
-              </a:spcAft>
-            </a:pPr>
-            <a:endParaRPr lang="en-US" altLang="zh-CN" sz="2400" dirty="0"/>
-          </a:p>
         </p:txBody>
       </p:sp>
+      <p:graphicFrame>
+        <p:nvGraphicFramePr>
+          <p:cNvPr id="6" name="Table 5">
+            <a:extLst>
+              <a:ext uri="{FF2B5EF4-FFF2-40B4-BE49-F238E27FC236}">
+                <a16:creationId xmlns:a16="http://schemas.microsoft.com/office/drawing/2014/main" id="{33E0E70C-3D96-3D8A-954D-8404C0C690E9}"/>
+              </a:ext>
+            </a:extLst>
+          </p:cNvPr>
+          <p:cNvGraphicFramePr>
+            <a:graphicFrameLocks noGrp="1"/>
+          </p:cNvGraphicFramePr>
+          <p:nvPr>
+            <p:extLst>
+              <p:ext uri="{D42A27DB-BD31-4B8C-83A1-F6EECF244321}">
+                <p14:modId xmlns:p14="http://schemas.microsoft.com/office/powerpoint/2010/main" val="2911531200"/>
+              </p:ext>
+            </p:extLst>
+          </p:nvPr>
+        </p:nvGraphicFramePr>
+        <p:xfrm>
+          <a:off x="1217278" y="3041243"/>
+          <a:ext cx="7578281" cy="3017335"/>
+        </p:xfrm>
+        <a:graphic>
+          <a:graphicData uri="http://schemas.openxmlformats.org/drawingml/2006/table">
+            <a:tbl>
+              <a:tblPr firstRow="1" firstCol="1" bandRow="1">
+                <a:tableStyleId>{5C22544A-7EE6-4342-B048-85BDC9FD1C3A}</a:tableStyleId>
+              </a:tblPr>
+              <a:tblGrid>
+                <a:gridCol w="3789640">
+                  <a:extLst>
+                    <a:ext uri="{9D8B030D-6E8A-4147-A177-3AD203B41FA5}">
+                      <a16:colId xmlns:a16="http://schemas.microsoft.com/office/drawing/2014/main" val="3049905248"/>
+                    </a:ext>
+                  </a:extLst>
+                </a:gridCol>
+                <a:gridCol w="2123557">
+                  <a:extLst>
+                    <a:ext uri="{9D8B030D-6E8A-4147-A177-3AD203B41FA5}">
+                      <a16:colId xmlns:a16="http://schemas.microsoft.com/office/drawing/2014/main" val="1253138539"/>
+                    </a:ext>
+                  </a:extLst>
+                </a:gridCol>
+                <a:gridCol w="1665084">
+                  <a:extLst>
+                    <a:ext uri="{9D8B030D-6E8A-4147-A177-3AD203B41FA5}">
+                      <a16:colId xmlns:a16="http://schemas.microsoft.com/office/drawing/2014/main" val="1705073515"/>
+                    </a:ext>
+                  </a:extLst>
+                </a:gridCol>
+              </a:tblGrid>
+              <a:tr h="286327">
+                <a:tc>
+                  <a:txBody>
+                    <a:bodyPr/>
+                    <a:lstStyle/>
+                    <a:p>
+                      <a:pPr algn="just"/>
+                      <a:r>
+                        <a:rPr lang="en-US" sz="1200" dirty="0">
+                          <a:effectLst/>
+                        </a:rPr>
+                        <a:t>Model</a:t>
+                      </a:r>
+                      <a:endParaRPr lang="zh-CN" sz="1200" dirty="0">
+                        <a:effectLst/>
+                        <a:latin typeface="Times New Roman" panose="02020603050405020304" pitchFamily="18" charset="0"/>
+                        <a:ea typeface="宋体" panose="02010600030101010101" pitchFamily="2" charset="-122"/>
+                      </a:endParaRPr>
+                    </a:p>
+                  </a:txBody>
+                  <a:tcPr marL="68580" marR="68580" marT="0" marB="0"/>
+                </a:tc>
+                <a:tc>
+                  <a:txBody>
+                    <a:bodyPr/>
+                    <a:lstStyle/>
+                    <a:p>
+                      <a:pPr algn="just"/>
+                      <a:r>
+                        <a:rPr lang="en-US" sz="1200" dirty="0">
+                          <a:effectLst/>
+                        </a:rPr>
+                        <a:t>Train CE</a:t>
+                      </a:r>
+                      <a:endParaRPr lang="zh-CN" sz="1200" dirty="0">
+                        <a:effectLst/>
+                        <a:latin typeface="Times New Roman" panose="02020603050405020304" pitchFamily="18" charset="0"/>
+                        <a:ea typeface="宋体" panose="02010600030101010101" pitchFamily="2" charset="-122"/>
+                      </a:endParaRPr>
+                    </a:p>
+                  </a:txBody>
+                  <a:tcPr marL="68580" marR="68580" marT="0" marB="0"/>
+                </a:tc>
+                <a:tc>
+                  <a:txBody>
+                    <a:bodyPr/>
+                    <a:lstStyle/>
+                    <a:p>
+                      <a:pPr algn="just"/>
+                      <a:r>
+                        <a:rPr lang="en-US" sz="1200" dirty="0">
+                          <a:effectLst/>
+                        </a:rPr>
+                        <a:t> Val Acc Top1</a:t>
+                      </a:r>
+                      <a:endParaRPr lang="zh-CN" sz="1200" dirty="0">
+                        <a:effectLst/>
+                        <a:latin typeface="Times New Roman" panose="02020603050405020304" pitchFamily="18" charset="0"/>
+                        <a:ea typeface="宋体" panose="02010600030101010101" pitchFamily="2" charset="-122"/>
+                      </a:endParaRPr>
+                    </a:p>
+                  </a:txBody>
+                  <a:tcPr marL="68580" marR="68580" marT="0" marB="0"/>
+                </a:tc>
+                <a:extLst>
+                  <a:ext uri="{0D108BD9-81ED-4DB2-BD59-A6C34878D82A}">
+                    <a16:rowId xmlns:a16="http://schemas.microsoft.com/office/drawing/2014/main" val="2781599134"/>
+                  </a:ext>
+                </a:extLst>
+              </a:tr>
+              <a:tr h="267347">
+                <a:tc>
+                  <a:txBody>
+                    <a:bodyPr/>
+                    <a:lstStyle/>
+                    <a:p>
+                      <a:pPr algn="just"/>
+                      <a:r>
+                        <a:rPr lang="en-US" altLang="zh-CN" sz="1200" dirty="0"/>
+                        <a:t>CNN-AE</a:t>
+                      </a:r>
+                    </a:p>
+                    <a:p>
+                      <a:pPr algn="just"/>
+                      <a:r>
+                        <a:rPr lang="en-US" sz="1200" dirty="0">
+                          <a:effectLst/>
+                          <a:latin typeface="Times New Roman" panose="02020603050405020304" pitchFamily="18" charset="0"/>
+                          <a:ea typeface="宋体" panose="02010600030101010101" pitchFamily="2" charset="-122"/>
+                        </a:rPr>
+                        <a:t>16-32-64-128-128-64-32-16</a:t>
+                      </a:r>
+                    </a:p>
+                    <a:p>
+                      <a:pPr algn="just"/>
+                      <a:endParaRPr lang="en-US" sz="1200" dirty="0">
+                        <a:effectLst/>
+                      </a:endParaRPr>
+                    </a:p>
+                  </a:txBody>
+                  <a:tcPr marL="68580" marR="68580" marT="0" marB="0"/>
+                </a:tc>
+                <a:tc>
+                  <a:txBody>
+                    <a:bodyPr/>
+                    <a:lstStyle/>
+                    <a:p>
+                      <a:pPr algn="just"/>
+                      <a:r>
+                        <a:rPr lang="en-US" sz="1200" dirty="0">
+                          <a:effectLst/>
+                        </a:rPr>
+                        <a:t>0.07274</a:t>
+                      </a:r>
+                      <a:endParaRPr lang="zh-CN" sz="1200" dirty="0">
+                        <a:effectLst/>
+                        <a:latin typeface="Times New Roman" panose="02020603050405020304" pitchFamily="18" charset="0"/>
+                        <a:ea typeface="宋体" panose="02010600030101010101" pitchFamily="2" charset="-122"/>
+                      </a:endParaRPr>
+                    </a:p>
+                  </a:txBody>
+                  <a:tcPr marL="68580" marR="68580" marT="0" marB="0"/>
+                </a:tc>
+                <a:tc>
+                  <a:txBody>
+                    <a:bodyPr/>
+                    <a:lstStyle/>
+                    <a:p>
+                      <a:pPr algn="just"/>
+                      <a:r>
+                        <a:rPr lang="en-US" sz="1200" dirty="0">
+                          <a:effectLst/>
+                        </a:rPr>
+                        <a:t>92.58%</a:t>
+                      </a:r>
+                      <a:endParaRPr lang="zh-CN" sz="1200" dirty="0">
+                        <a:effectLst/>
+                        <a:latin typeface="Times New Roman" panose="02020603050405020304" pitchFamily="18" charset="0"/>
+                        <a:ea typeface="宋体" panose="02010600030101010101" pitchFamily="2" charset="-122"/>
+                      </a:endParaRPr>
+                    </a:p>
+                  </a:txBody>
+                  <a:tcPr marL="68580" marR="68580" marT="0" marB="0"/>
+                </a:tc>
+                <a:extLst>
+                  <a:ext uri="{0D108BD9-81ED-4DB2-BD59-A6C34878D82A}">
+                    <a16:rowId xmlns:a16="http://schemas.microsoft.com/office/drawing/2014/main" val="2751015753"/>
+                  </a:ext>
+                </a:extLst>
+              </a:tr>
+              <a:tr h="340126">
+                <a:tc>
+                  <a:txBody>
+                    <a:bodyPr/>
+                    <a:lstStyle/>
+                    <a:p>
+                      <a:pPr algn="just"/>
+                      <a:r>
+                        <a:rPr lang="en-US" altLang="zh-CN" sz="1200" dirty="0"/>
+                        <a:t>CNN-AE</a:t>
+                      </a:r>
+                    </a:p>
+                    <a:p>
+                      <a:pPr algn="just"/>
+                      <a:r>
+                        <a:rPr lang="en-US" altLang="zh-CN" sz="1200" dirty="0">
+                          <a:effectLst/>
+                          <a:latin typeface="Times New Roman" panose="02020603050405020304" pitchFamily="18" charset="0"/>
+                          <a:ea typeface="宋体" panose="02010600030101010101" pitchFamily="2" charset="-122"/>
+                        </a:rPr>
+                        <a:t>16-32-32-16</a:t>
+                      </a:r>
+                    </a:p>
+                    <a:p>
+                      <a:pPr algn="just"/>
+                      <a:endParaRPr lang="en-US" altLang="zh-CN" sz="1200" dirty="0">
+                        <a:effectLst/>
+                      </a:endParaRPr>
+                    </a:p>
+                  </a:txBody>
+                  <a:tcPr marL="68580" marR="68580" marT="0" marB="0"/>
+                </a:tc>
+                <a:tc>
+                  <a:txBody>
+                    <a:bodyPr/>
+                    <a:lstStyle/>
+                    <a:p>
+                      <a:pPr algn="just"/>
+                      <a:r>
+                        <a:rPr lang="en-US" sz="1200" dirty="0">
+                          <a:effectLst/>
+                        </a:rPr>
+                        <a:t>7.257e-3</a:t>
+                      </a:r>
+                      <a:endParaRPr lang="zh-CN" sz="1200" dirty="0">
+                        <a:effectLst/>
+                        <a:latin typeface="Times New Roman" panose="02020603050405020304" pitchFamily="18" charset="0"/>
+                        <a:ea typeface="宋体" panose="02010600030101010101" pitchFamily="2" charset="-122"/>
+                      </a:endParaRPr>
+                    </a:p>
+                  </a:txBody>
+                  <a:tcPr marL="68580" marR="68580" marT="0" marB="0"/>
+                </a:tc>
+                <a:tc>
+                  <a:txBody>
+                    <a:bodyPr/>
+                    <a:lstStyle/>
+                    <a:p>
+                      <a:pPr algn="just"/>
+                      <a:r>
+                        <a:rPr lang="en-US" sz="1200" dirty="0">
+                          <a:effectLst/>
+                        </a:rPr>
+                        <a:t>92.51%</a:t>
+                      </a:r>
+                      <a:endParaRPr lang="zh-CN" sz="1200" dirty="0">
+                        <a:effectLst/>
+                        <a:latin typeface="Times New Roman" panose="02020603050405020304" pitchFamily="18" charset="0"/>
+                        <a:ea typeface="宋体" panose="02010600030101010101" pitchFamily="2" charset="-122"/>
+                      </a:endParaRPr>
+                    </a:p>
+                  </a:txBody>
+                  <a:tcPr marL="68580" marR="68580" marT="0" marB="0"/>
+                </a:tc>
+                <a:extLst>
+                  <a:ext uri="{0D108BD9-81ED-4DB2-BD59-A6C34878D82A}">
+                    <a16:rowId xmlns:a16="http://schemas.microsoft.com/office/drawing/2014/main" val="537932868"/>
+                  </a:ext>
+                </a:extLst>
+              </a:tr>
+              <a:tr h="175491">
+                <a:tc>
+                  <a:txBody>
+                    <a:bodyPr/>
+                    <a:lstStyle/>
+                    <a:p>
+                      <a:pPr algn="just"/>
+                      <a:r>
+                        <a:rPr lang="en-US" altLang="zh-CN" sz="1200" dirty="0"/>
+                        <a:t>CNN-AE</a:t>
+                      </a:r>
+                    </a:p>
+                    <a:p>
+                      <a:pPr algn="just"/>
+                      <a:r>
+                        <a:rPr lang="en-US" altLang="zh-CN" sz="1200" dirty="0">
+                          <a:effectLst/>
+                          <a:latin typeface="Times New Roman" panose="02020603050405020304" pitchFamily="18" charset="0"/>
+                          <a:ea typeface="宋体" panose="02010600030101010101" pitchFamily="2" charset="-122"/>
+                        </a:rPr>
+                        <a:t>32-16-16-32</a:t>
+                      </a:r>
+                    </a:p>
+                    <a:p>
+                      <a:pPr algn="just"/>
+                      <a:endParaRPr lang="en-US" sz="1200" dirty="0">
+                        <a:effectLst/>
+                      </a:endParaRPr>
+                    </a:p>
+                  </a:txBody>
+                  <a:tcPr marL="68580" marR="68580" marT="0" marB="0"/>
+                </a:tc>
+                <a:tc>
+                  <a:txBody>
+                    <a:bodyPr/>
+                    <a:lstStyle/>
+                    <a:p>
+                      <a:pPr algn="just"/>
+                      <a:r>
+                        <a:rPr lang="en-US" sz="1200" dirty="0">
+                          <a:effectLst/>
+                        </a:rPr>
+                        <a:t>0.01281</a:t>
+                      </a:r>
+                      <a:endParaRPr lang="zh-CN" sz="1200" dirty="0">
+                        <a:effectLst/>
+                        <a:latin typeface="Times New Roman" panose="02020603050405020304" pitchFamily="18" charset="0"/>
+                        <a:ea typeface="宋体" panose="02010600030101010101" pitchFamily="2" charset="-122"/>
+                      </a:endParaRPr>
+                    </a:p>
+                  </a:txBody>
+                  <a:tcPr marL="68580" marR="68580" marT="0" marB="0"/>
+                </a:tc>
+                <a:tc>
+                  <a:txBody>
+                    <a:bodyPr/>
+                    <a:lstStyle/>
+                    <a:p>
+                      <a:pPr algn="just"/>
+                      <a:r>
+                        <a:rPr lang="en-US" sz="1200" dirty="0">
+                          <a:effectLst/>
+                        </a:rPr>
+                        <a:t>92.08%</a:t>
+                      </a:r>
+                      <a:endParaRPr lang="zh-CN" sz="1200" dirty="0">
+                        <a:effectLst/>
+                        <a:latin typeface="Times New Roman" panose="02020603050405020304" pitchFamily="18" charset="0"/>
+                        <a:ea typeface="宋体" panose="02010600030101010101" pitchFamily="2" charset="-122"/>
+                      </a:endParaRPr>
+                    </a:p>
+                  </a:txBody>
+                  <a:tcPr marL="68580" marR="68580" marT="0" marB="0"/>
+                </a:tc>
+                <a:extLst>
+                  <a:ext uri="{0D108BD9-81ED-4DB2-BD59-A6C34878D82A}">
+                    <a16:rowId xmlns:a16="http://schemas.microsoft.com/office/drawing/2014/main" val="1340681143"/>
+                  </a:ext>
+                </a:extLst>
+              </a:tr>
+              <a:tr h="136191">
+                <a:tc>
+                  <a:txBody>
+                    <a:bodyPr/>
+                    <a:lstStyle/>
+                    <a:p>
+                      <a:pPr algn="just"/>
+                      <a:r>
+                        <a:rPr lang="en-US" altLang="zh-CN" sz="1200" dirty="0"/>
+                        <a:t>CNN-AE</a:t>
+                      </a:r>
+                    </a:p>
+                    <a:p>
+                      <a:pPr algn="just"/>
+                      <a:r>
+                        <a:rPr lang="en-US" altLang="zh-CN" sz="1200" dirty="0">
+                          <a:effectLst/>
+                          <a:latin typeface="Times New Roman" panose="02020603050405020304" pitchFamily="18" charset="0"/>
+                          <a:ea typeface="宋体" panose="02010600030101010101" pitchFamily="2" charset="-122"/>
+                        </a:rPr>
+                        <a:t>128-64-32-16-16-32-64-128</a:t>
+                      </a:r>
+                    </a:p>
+                    <a:p>
+                      <a:pPr marL="0" marR="0" lvl="0" indent="0" algn="just" defTabSz="914400" rtl="0" eaLnBrk="1" fontAlgn="auto" latinLnBrk="0" hangingPunct="1">
+                        <a:lnSpc>
+                          <a:spcPct val="100000"/>
+                        </a:lnSpc>
+                        <a:spcBef>
+                          <a:spcPts val="0"/>
+                        </a:spcBef>
+                        <a:spcAft>
+                          <a:spcPts val="0"/>
+                        </a:spcAft>
+                        <a:buClrTx/>
+                        <a:buSzTx/>
+                        <a:buFontTx/>
+                        <a:buNone/>
+                        <a:tabLst/>
+                        <a:defRPr/>
+                      </a:pPr>
+                      <a:endParaRPr lang="en-US" altLang="zh-CN" sz="1200" dirty="0"/>
+                    </a:p>
+                  </a:txBody>
+                  <a:tcPr marL="68580" marR="68580" marT="0" marB="0"/>
+                </a:tc>
+                <a:tc>
+                  <a:txBody>
+                    <a:bodyPr/>
+                    <a:lstStyle/>
+                    <a:p>
+                      <a:pPr algn="just"/>
+                      <a:r>
+                        <a:rPr lang="en-US" altLang="zh-CN" sz="1200" dirty="0">
+                          <a:effectLst/>
+                        </a:rPr>
+                        <a:t>0.1397</a:t>
+                      </a:r>
+                      <a:endParaRPr lang="zh-CN" altLang="zh-CN" sz="1200" dirty="0">
+                        <a:effectLst/>
+                        <a:latin typeface="Times New Roman" panose="02020603050405020304" pitchFamily="18" charset="0"/>
+                        <a:ea typeface="宋体" panose="02010600030101010101" pitchFamily="2" charset="-122"/>
+                      </a:endParaRPr>
+                    </a:p>
+                  </a:txBody>
+                  <a:tcPr marL="68580" marR="68580" marT="0" marB="0"/>
+                </a:tc>
+                <a:tc>
+                  <a:txBody>
+                    <a:bodyPr/>
+                    <a:lstStyle/>
+                    <a:p>
+                      <a:pPr algn="just"/>
+                      <a:r>
+                        <a:rPr lang="en-US" sz="1200" dirty="0">
+                          <a:effectLst/>
+                        </a:rPr>
+                        <a:t>91.63%</a:t>
+                      </a:r>
+                      <a:endParaRPr lang="zh-CN" sz="1200" dirty="0">
+                        <a:effectLst/>
+                        <a:latin typeface="Times New Roman" panose="02020603050405020304" pitchFamily="18" charset="0"/>
+                        <a:ea typeface="宋体" panose="02010600030101010101" pitchFamily="2" charset="-122"/>
+                      </a:endParaRPr>
+                    </a:p>
+                  </a:txBody>
+                  <a:tcPr marL="68580" marR="68580" marT="0" marB="0"/>
+                </a:tc>
+                <a:extLst>
+                  <a:ext uri="{0D108BD9-81ED-4DB2-BD59-A6C34878D82A}">
+                    <a16:rowId xmlns:a16="http://schemas.microsoft.com/office/drawing/2014/main" val="1528118001"/>
+                  </a:ext>
+                </a:extLst>
+              </a:tr>
+              <a:tr h="268224">
+                <a:tc>
+                  <a:txBody>
+                    <a:bodyPr/>
+                    <a:lstStyle/>
+                    <a:p>
+                      <a:pPr algn="just"/>
+                      <a:endParaRPr lang="zh-CN" sz="1200" dirty="0">
+                        <a:effectLst/>
+                        <a:latin typeface="Times New Roman" panose="02020603050405020304" pitchFamily="18" charset="0"/>
+                        <a:ea typeface="宋体" panose="02010600030101010101" pitchFamily="2" charset="-122"/>
+                      </a:endParaRPr>
+                    </a:p>
+                  </a:txBody>
+                  <a:tcPr marL="68580" marR="68580" marT="0" marB="0"/>
+                </a:tc>
+                <a:tc>
+                  <a:txBody>
+                    <a:bodyPr/>
+                    <a:lstStyle/>
+                    <a:p>
+                      <a:pPr algn="just"/>
+                      <a:endParaRPr lang="zh-CN" altLang="zh-CN" sz="1200" dirty="0">
+                        <a:effectLst/>
+                        <a:latin typeface="Times New Roman" panose="02020603050405020304" pitchFamily="18" charset="0"/>
+                        <a:ea typeface="宋体" panose="02010600030101010101" pitchFamily="2" charset="-122"/>
+                      </a:endParaRPr>
+                    </a:p>
+                  </a:txBody>
+                  <a:tcPr marL="68580" marR="68580" marT="0" marB="0"/>
+                </a:tc>
+                <a:tc>
+                  <a:txBody>
+                    <a:bodyPr/>
+                    <a:lstStyle/>
+                    <a:p>
+                      <a:pPr algn="just"/>
+                      <a:endParaRPr lang="zh-CN" sz="1200" dirty="0">
+                        <a:effectLst/>
+                        <a:latin typeface="Times New Roman" panose="02020603050405020304" pitchFamily="18" charset="0"/>
+                        <a:ea typeface="宋体" panose="02010600030101010101" pitchFamily="2" charset="-122"/>
+                      </a:endParaRPr>
+                    </a:p>
+                  </a:txBody>
+                  <a:tcPr marL="68580" marR="68580" marT="0" marB="0"/>
+                </a:tc>
+                <a:extLst>
+                  <a:ext uri="{0D108BD9-81ED-4DB2-BD59-A6C34878D82A}">
+                    <a16:rowId xmlns:a16="http://schemas.microsoft.com/office/drawing/2014/main" val="4136670672"/>
+                  </a:ext>
+                </a:extLst>
+              </a:tr>
+              <a:tr h="268224">
+                <a:tc>
+                  <a:txBody>
+                    <a:bodyPr/>
+                    <a:lstStyle/>
+                    <a:p>
+                      <a:pPr algn="just"/>
+                      <a:endParaRPr lang="zh-CN" sz="1200" dirty="0">
+                        <a:effectLst/>
+                        <a:latin typeface="Times New Roman" panose="02020603050405020304" pitchFamily="18" charset="0"/>
+                        <a:ea typeface="宋体" panose="02010600030101010101" pitchFamily="2" charset="-122"/>
+                      </a:endParaRPr>
+                    </a:p>
+                  </a:txBody>
+                  <a:tcPr marL="68580" marR="68580" marT="0" marB="0"/>
+                </a:tc>
+                <a:tc>
+                  <a:txBody>
+                    <a:bodyPr/>
+                    <a:lstStyle/>
+                    <a:p>
+                      <a:pPr algn="just"/>
+                      <a:endParaRPr lang="zh-CN" sz="1200" dirty="0">
+                        <a:effectLst/>
+                        <a:latin typeface="Times New Roman" panose="02020603050405020304" pitchFamily="18" charset="0"/>
+                        <a:ea typeface="宋体" panose="02010600030101010101" pitchFamily="2" charset="-122"/>
+                      </a:endParaRPr>
+                    </a:p>
+                  </a:txBody>
+                  <a:tcPr marL="68580" marR="68580" marT="0" marB="0"/>
+                </a:tc>
+                <a:tc>
+                  <a:txBody>
+                    <a:bodyPr/>
+                    <a:lstStyle/>
+                    <a:p>
+                      <a:pPr algn="just"/>
+                      <a:endParaRPr lang="zh-CN" sz="1200" dirty="0">
+                        <a:effectLst/>
+                        <a:latin typeface="Times New Roman" panose="02020603050405020304" pitchFamily="18" charset="0"/>
+                        <a:ea typeface="宋体" panose="02010600030101010101" pitchFamily="2" charset="-122"/>
+                      </a:endParaRPr>
+                    </a:p>
+                  </a:txBody>
+                  <a:tcPr marL="68580" marR="68580" marT="0" marB="0"/>
+                </a:tc>
+                <a:extLst>
+                  <a:ext uri="{0D108BD9-81ED-4DB2-BD59-A6C34878D82A}">
+                    <a16:rowId xmlns:a16="http://schemas.microsoft.com/office/drawing/2014/main" val="1231911892"/>
+                  </a:ext>
+                </a:extLst>
+              </a:tr>
+            </a:tbl>
+          </a:graphicData>
+        </a:graphic>
+      </p:graphicFrame>
       <p:pic>
         <p:nvPicPr>
-          <p:cNvPr id="9" name="Picture 8">
-            <a:extLst>
-              <a:ext uri="{FF2B5EF4-FFF2-40B4-BE49-F238E27FC236}">
-                <a16:creationId xmlns:a16="http://schemas.microsoft.com/office/drawing/2014/main" id="{A5C0F508-D2F1-AD03-23B5-8ED27798C79B}"/>
+          <p:cNvPr id="8" name="Picture 7">
+            <a:extLst>
+              <a:ext uri="{FF2B5EF4-FFF2-40B4-BE49-F238E27FC236}">
+                <a16:creationId xmlns:a16="http://schemas.microsoft.com/office/drawing/2014/main" id="{85208D7C-F4C2-023B-0B44-01AA35133478}"/>
               </a:ext>
             </a:extLst>
           </p:cNvPr>
@@ -8329,38 +9167,8 @@
         </p:blipFill>
         <p:spPr>
           <a:xfrm>
-            <a:off x="9737525" y="0"/>
-            <a:ext cx="2145830" cy="6858000"/>
-          </a:xfrm>
-          <a:prstGeom prst="rect">
-            <a:avLst/>
-          </a:prstGeom>
-        </p:spPr>
-      </p:pic>
-      <p:pic>
-        <p:nvPicPr>
-          <p:cNvPr id="11" name="Picture 10">
-            <a:extLst>
-              <a:ext uri="{FF2B5EF4-FFF2-40B4-BE49-F238E27FC236}">
-                <a16:creationId xmlns:a16="http://schemas.microsoft.com/office/drawing/2014/main" id="{D37B423A-06D2-70C9-03EC-3C7FF86CDCDE}"/>
-              </a:ext>
-            </a:extLst>
-          </p:cNvPr>
-          <p:cNvPicPr>
-            <a:picLocks noChangeAspect="1"/>
-          </p:cNvPicPr>
-          <p:nvPr/>
-        </p:nvPicPr>
-        <p:blipFill>
-          <a:blip r:embed="rId3"/>
-          <a:stretch>
-            <a:fillRect/>
-          </a:stretch>
-        </p:blipFill>
-        <p:spPr>
-          <a:xfrm>
-            <a:off x="6370495" y="2529137"/>
-            <a:ext cx="2496415" cy="899863"/>
+            <a:off x="10053051" y="106133"/>
+            <a:ext cx="1843342" cy="6645734"/>
           </a:xfrm>
           <a:prstGeom prst="rect">
             <a:avLst/>
@@ -8370,7 +9178,7 @@
     </p:spTree>
     <p:extLst>
       <p:ext uri="{BB962C8B-B14F-4D97-AF65-F5344CB8AC3E}">
-        <p14:creationId xmlns:p14="http://schemas.microsoft.com/office/powerpoint/2010/main" val="878790873"/>
+        <p14:creationId xmlns:p14="http://schemas.microsoft.com/office/powerpoint/2010/main" val="2108761595"/>
       </p:ext>
     </p:extLst>
   </p:cSld>

--- a/ties4911-task03-YanrenQu.pptx
+++ b/ties4911-task03-YanrenQu.pptx
@@ -20,6 +20,7 @@
     <p:sldId id="272" r:id="rId14"/>
     <p:sldId id="273" r:id="rId15"/>
     <p:sldId id="274" r:id="rId16"/>
+    <p:sldId id="275" r:id="rId17"/>
   </p:sldIdLst>
   <p:sldSz cx="12192000" cy="6858000"/>
   <p:notesSz cx="6858000" cy="9144000"/>
@@ -4813,6 +4814,64 @@
               <a:t>CE</a:t>
             </a:r>
           </a:p>
+          <a:p>
+            <a:pPr marL="742950" indent="-742950" defTabSz="822960">
+              <a:spcAft>
+                <a:spcPts val="600"/>
+              </a:spcAft>
+              <a:buFontTx/>
+              <a:buAutoNum type="arabicPeriod"/>
+            </a:pPr>
+            <a:r>
+              <a:rPr lang="en-US" altLang="zh-CN" sz="3600" dirty="0" err="1"/>
+              <a:t>MarginLoss</a:t>
+            </a:r>
+            <a:r>
+              <a:rPr lang="en-US" altLang="zh-CN" sz="3600" dirty="0"/>
+              <a:t> + </a:t>
+            </a:r>
+            <a:r>
+              <a:rPr lang="en-US" altLang="zh-CN" sz="3600" dirty="0" err="1"/>
+              <a:t>ReconstructionLoss</a:t>
+            </a:r>
+            <a:endParaRPr lang="en-US" altLang="zh-CN" sz="3600" dirty="0"/>
+          </a:p>
+          <a:p>
+            <a:pPr marL="742950" indent="-742950" defTabSz="822960">
+              <a:spcAft>
+                <a:spcPts val="600"/>
+              </a:spcAft>
+              <a:buAutoNum type="arabicPeriod"/>
+            </a:pPr>
+            <a:r>
+              <a:rPr lang="en-US" altLang="zh-CN" sz="3600" dirty="0"/>
+              <a:t>Sparse Loss</a:t>
+            </a:r>
+            <a:endParaRPr lang="en-US" altLang="zh-CN" sz="3600" kern="1200" dirty="0">
+              <a:solidFill>
+                <a:schemeClr val="tx1"/>
+              </a:solidFill>
+              <a:latin typeface="+mn-lt"/>
+              <a:ea typeface="+mn-ea"/>
+              <a:cs typeface="+mn-cs"/>
+            </a:endParaRPr>
+          </a:p>
+          <a:p>
+            <a:pPr marL="742950" indent="-742950" defTabSz="822960">
+              <a:spcAft>
+                <a:spcPts val="600"/>
+              </a:spcAft>
+              <a:buAutoNum type="arabicPeriod"/>
+            </a:pPr>
+            <a:endParaRPr lang="en-US" altLang="zh-CN" sz="3600" kern="1200" dirty="0">
+              <a:solidFill>
+                <a:schemeClr val="tx1"/>
+              </a:solidFill>
+              <a:latin typeface="+mn-lt"/>
+              <a:ea typeface="+mn-ea"/>
+              <a:cs typeface="+mn-cs"/>
+            </a:endParaRPr>
+          </a:p>
         </p:txBody>
       </p:sp>
     </p:spTree>
@@ -6702,7 +6761,7 @@
         </p:nvSpPr>
         <p:spPr>
           <a:xfrm>
-            <a:off x="875286" y="1690688"/>
+            <a:off x="646957" y="1737725"/>
             <a:ext cx="9542996" cy="3948876"/>
           </a:xfrm>
           <a:prstGeom prst="rect">
@@ -6721,7 +6780,7 @@
             </a:pPr>
             <a:r>
               <a:rPr lang="en-US" altLang="zh-CN" sz="2400" dirty="0"/>
-              <a:t>Lr 1e-3 ~ 8e-5, epoch 50, batch size 1024(512 for GhostnetV2)</a:t>
+              <a:t>Lr 1e-3 ~ 8e-5, epoch 100, batch size 1024(512 for GhostnetV2)</a:t>
             </a:r>
           </a:p>
           <a:p>
@@ -8449,7 +8508,7 @@
         </p:nvSpPr>
         <p:spPr>
           <a:xfrm>
-            <a:off x="67594" y="237253"/>
+            <a:off x="1157176" y="237253"/>
             <a:ext cx="9877647" cy="1325563"/>
           </a:xfrm>
         </p:spPr>
@@ -8461,7 +8520,11 @@
           <a:p>
             <a:r>
               <a:rPr lang="en-US" altLang="zh-CN" sz="5400" dirty="0"/>
-              <a:t>Task3-5 Results CNN-AE on Cifar10</a:t>
+              <a:t>Task3-5 Results CNN-AE on             </a:t>
+            </a:r>
+            <a:r>
+              <a:rPr lang="en-US" altLang="zh-CN" sz="5400" dirty="0" err="1"/>
+              <a:t>FashionMnist</a:t>
             </a:r>
             <a:endParaRPr lang="zh-CN" altLang="en-US" sz="5400" dirty="0"/>
           </a:p>
@@ -9147,10 +9210,10 @@
       </p:graphicFrame>
       <p:pic>
         <p:nvPicPr>
-          <p:cNvPr id="8" name="Picture 7">
-            <a:extLst>
-              <a:ext uri="{FF2B5EF4-FFF2-40B4-BE49-F238E27FC236}">
-                <a16:creationId xmlns:a16="http://schemas.microsoft.com/office/drawing/2014/main" id="{85208D7C-F4C2-023B-0B44-01AA35133478}"/>
+          <p:cNvPr id="7" name="Picture 6">
+            <a:extLst>
+              <a:ext uri="{FF2B5EF4-FFF2-40B4-BE49-F238E27FC236}">
+                <a16:creationId xmlns:a16="http://schemas.microsoft.com/office/drawing/2014/main" id="{8DC66AE1-F714-65F5-9EA4-57DECB1CF951}"/>
               </a:ext>
             </a:extLst>
           </p:cNvPr>
@@ -9167,8 +9230,8 @@
         </p:blipFill>
         <p:spPr>
           <a:xfrm>
-            <a:off x="10053051" y="106133"/>
-            <a:ext cx="1843342" cy="6645734"/>
+            <a:off x="10052465" y="46012"/>
+            <a:ext cx="1966633" cy="6811988"/>
           </a:xfrm>
           <a:prstGeom prst="rect">
             <a:avLst/>
@@ -9179,6 +9242,596 @@
     <p:extLst>
       <p:ext uri="{BB962C8B-B14F-4D97-AF65-F5344CB8AC3E}">
         <p14:creationId xmlns:p14="http://schemas.microsoft.com/office/powerpoint/2010/main" val="2108761595"/>
+      </p:ext>
+    </p:extLst>
+  </p:cSld>
+  <p:clrMapOvr>
+    <a:masterClrMapping/>
+  </p:clrMapOvr>
+</p:sld>
+</file>
+
+<file path=ppt/slides/slide16.xml><?xml version="1.0" encoding="utf-8"?>
+<p:sld xmlns:a="http://schemas.openxmlformats.org/drawingml/2006/main" xmlns:r="http://schemas.openxmlformats.org/officeDocument/2006/relationships" xmlns:p="http://schemas.openxmlformats.org/presentationml/2006/main">
+  <p:cSld>
+    <p:spTree>
+      <p:nvGrpSpPr>
+        <p:cNvPr id="1" name="">
+          <a:extLst>
+            <a:ext uri="{FF2B5EF4-FFF2-40B4-BE49-F238E27FC236}">
+              <a16:creationId xmlns:a16="http://schemas.microsoft.com/office/drawing/2014/main" id="{94712679-A5A2-B264-6290-04A7C8EC1AAF}"/>
+            </a:ext>
+          </a:extLst>
+        </p:cNvPr>
+        <p:cNvGrpSpPr/>
+        <p:nvPr/>
+      </p:nvGrpSpPr>
+      <p:grpSpPr>
+        <a:xfrm>
+          <a:off x="0" y="0"/>
+          <a:ext cx="0" cy="0"/>
+          <a:chOff x="0" y="0"/>
+          <a:chExt cx="0" cy="0"/>
+        </a:xfrm>
+      </p:grpSpPr>
+      <p:sp>
+        <p:nvSpPr>
+          <p:cNvPr id="2" name="Title 1">
+            <a:extLst>
+              <a:ext uri="{FF2B5EF4-FFF2-40B4-BE49-F238E27FC236}">
+                <a16:creationId xmlns:a16="http://schemas.microsoft.com/office/drawing/2014/main" id="{B4B1AA8D-C57D-E13B-3968-01790AB0BC19}"/>
+              </a:ext>
+            </a:extLst>
+          </p:cNvPr>
+          <p:cNvSpPr>
+            <a:spLocks noGrp="1"/>
+          </p:cNvSpPr>
+          <p:nvPr>
+            <p:ph type="title"/>
+          </p:nvPr>
+        </p:nvSpPr>
+        <p:spPr>
+          <a:xfrm>
+            <a:off x="67594" y="237253"/>
+            <a:ext cx="9877647" cy="1325563"/>
+          </a:xfrm>
+        </p:spPr>
+        <p:txBody>
+          <a:bodyPr>
+            <a:normAutofit/>
+          </a:bodyPr>
+          <a:lstStyle/>
+          <a:p>
+            <a:r>
+              <a:rPr lang="en-US" altLang="zh-CN" sz="5400" dirty="0"/>
+              <a:t>Task3-6 </a:t>
+            </a:r>
+            <a:r>
+              <a:rPr lang="en-US" altLang="zh-CN" sz="5400" dirty="0" err="1"/>
+              <a:t>CapsuleNet</a:t>
+            </a:r>
+            <a:endParaRPr lang="zh-CN" altLang="en-US" sz="5400" dirty="0"/>
+          </a:p>
+        </p:txBody>
+      </p:sp>
+      <p:sp>
+        <p:nvSpPr>
+          <p:cNvPr id="3" name="Content Placeholder 2">
+            <a:extLst>
+              <a:ext uri="{FF2B5EF4-FFF2-40B4-BE49-F238E27FC236}">
+                <a16:creationId xmlns:a16="http://schemas.microsoft.com/office/drawing/2014/main" id="{8E5194D4-8785-27EE-C96C-921D12903129}"/>
+              </a:ext>
+            </a:extLst>
+          </p:cNvPr>
+          <p:cNvSpPr>
+            <a:spLocks/>
+          </p:cNvSpPr>
+          <p:nvPr/>
+        </p:nvSpPr>
+        <p:spPr>
+          <a:xfrm>
+            <a:off x="1324502" y="2218851"/>
+            <a:ext cx="9542996" cy="3948876"/>
+          </a:xfrm>
+          <a:prstGeom prst="rect">
+            <a:avLst/>
+          </a:prstGeom>
+        </p:spPr>
+        <p:txBody>
+          <a:bodyPr/>
+          <a:lstStyle/>
+          <a:p>
+            <a:pPr marL="742950" indent="-742950" defTabSz="822960">
+              <a:spcAft>
+                <a:spcPts val="600"/>
+              </a:spcAft>
+              <a:buAutoNum type="arabicPeriod"/>
+            </a:pPr>
+            <a:endParaRPr lang="zh-CN" altLang="en-US" sz="3600" dirty="0"/>
+          </a:p>
+        </p:txBody>
+      </p:sp>
+      <p:sp>
+        <p:nvSpPr>
+          <p:cNvPr id="5" name="Content Placeholder 2">
+            <a:extLst>
+              <a:ext uri="{FF2B5EF4-FFF2-40B4-BE49-F238E27FC236}">
+                <a16:creationId xmlns:a16="http://schemas.microsoft.com/office/drawing/2014/main" id="{8AB556F7-05C2-9174-B7FE-FCF94A7D703C}"/>
+              </a:ext>
+            </a:extLst>
+          </p:cNvPr>
+          <p:cNvSpPr>
+            <a:spLocks/>
+          </p:cNvSpPr>
+          <p:nvPr/>
+        </p:nvSpPr>
+        <p:spPr>
+          <a:xfrm>
+            <a:off x="759516" y="1562816"/>
+            <a:ext cx="9542996" cy="1820173"/>
+          </a:xfrm>
+          <a:prstGeom prst="rect">
+            <a:avLst/>
+          </a:prstGeom>
+        </p:spPr>
+        <p:txBody>
+          <a:bodyPr/>
+          <a:lstStyle/>
+          <a:p>
+            <a:pPr marL="742950" indent="-742950" defTabSz="822960">
+              <a:spcAft>
+                <a:spcPts val="600"/>
+              </a:spcAft>
+              <a:buAutoNum type="arabicPeriod"/>
+            </a:pPr>
+            <a:r>
+              <a:rPr lang="en-US" altLang="zh-CN" sz="2400" dirty="0"/>
+              <a:t>Lr 1e-3 ~ 8e-5, epoch 50, batch size 1024 (512 for Cifar10)</a:t>
+            </a:r>
+          </a:p>
+          <a:p>
+            <a:pPr marL="742950" indent="-742950" defTabSz="822960">
+              <a:spcAft>
+                <a:spcPts val="600"/>
+              </a:spcAft>
+              <a:buAutoNum type="arabicPeriod"/>
+            </a:pPr>
+            <a:r>
+              <a:rPr lang="en-US" altLang="zh-CN" sz="2400" dirty="0"/>
+              <a:t>Adam </a:t>
+            </a:r>
+            <a:r>
+              <a:rPr lang="pt-BR" altLang="zh-CN" sz="2400" kern="1200" dirty="0">
+                <a:solidFill>
+                  <a:schemeClr val="tx1"/>
+                </a:solidFill>
+                <a:latin typeface="+mn-lt"/>
+                <a:ea typeface="+mn-ea"/>
+                <a:cs typeface="+mn-cs"/>
+              </a:rPr>
+              <a:t>betas=(0.9, 0.999), eps=1e-08, weight_decay=1e-5</a:t>
+            </a:r>
+            <a:endParaRPr lang="en-US" altLang="zh-CN" sz="2400" dirty="0"/>
+          </a:p>
+          <a:p>
+            <a:pPr marL="742950" indent="-742950" defTabSz="822960">
+              <a:spcAft>
+                <a:spcPts val="600"/>
+              </a:spcAft>
+              <a:buAutoNum type="arabicPeriod"/>
+            </a:pPr>
+            <a:r>
+              <a:rPr lang="en-US" altLang="zh-CN" sz="2400" dirty="0" err="1"/>
+              <a:t>MarginLoss</a:t>
+            </a:r>
+            <a:r>
+              <a:rPr lang="en-US" altLang="zh-CN" sz="2400" dirty="0"/>
+              <a:t> + </a:t>
+            </a:r>
+            <a:r>
+              <a:rPr lang="en-US" altLang="zh-CN" sz="2400" dirty="0" err="1"/>
+              <a:t>ReconstructionLoss</a:t>
+            </a:r>
+            <a:endParaRPr lang="en-US" altLang="zh-CN" sz="2400" dirty="0"/>
+          </a:p>
+          <a:p>
+            <a:pPr marL="742950" indent="-742950" defTabSz="822960">
+              <a:spcAft>
+                <a:spcPts val="600"/>
+              </a:spcAft>
+              <a:buAutoNum type="arabicPeriod"/>
+            </a:pPr>
+            <a:r>
+              <a:rPr lang="en-US" altLang="zh-CN" sz="2400" dirty="0"/>
+              <a:t>The performance of this network on cifar10 is bad, it is incomparable with the previous backbones.</a:t>
+            </a:r>
+          </a:p>
+          <a:p>
+            <a:pPr marL="742950" indent="-742950" defTabSz="822960">
+              <a:spcAft>
+                <a:spcPts val="600"/>
+              </a:spcAft>
+              <a:buAutoNum type="arabicPeriod"/>
+            </a:pPr>
+            <a:r>
+              <a:rPr lang="en-US" altLang="zh-CN" sz="2400" dirty="0"/>
+              <a:t>No pretrained model on </a:t>
+            </a:r>
+            <a:r>
+              <a:rPr lang="en-US" altLang="zh-CN" sz="2400" dirty="0" err="1"/>
+              <a:t>Pytorch</a:t>
+            </a:r>
+            <a:r>
+              <a:rPr lang="en-US" altLang="zh-CN" sz="2400" dirty="0"/>
+              <a:t> on large dataset, Comparison on general tasks is not available.</a:t>
+            </a:r>
+          </a:p>
+          <a:p>
+            <a:pPr marL="742950" indent="-742950" defTabSz="822960">
+              <a:spcAft>
+                <a:spcPts val="600"/>
+              </a:spcAft>
+              <a:buAutoNum type="arabicPeriod"/>
+            </a:pPr>
+            <a:r>
+              <a:rPr lang="en-US" altLang="zh-CN" sz="2400" dirty="0"/>
+              <a:t>Normalization is crucial for this model, if there’s no Data Normalization, model will stop to converge on very early stage.</a:t>
+            </a:r>
+          </a:p>
+          <a:p>
+            <a:pPr marL="742950" indent="-742950" defTabSz="822960">
+              <a:spcAft>
+                <a:spcPts val="600"/>
+              </a:spcAft>
+              <a:buAutoNum type="arabicPeriod"/>
+            </a:pPr>
+            <a:r>
+              <a:rPr lang="en-US" altLang="zh-CN" sz="2400" dirty="0"/>
+              <a:t>Ref: </a:t>
+            </a:r>
+            <a:r>
+              <a:rPr lang="en-US" altLang="zh-CN" sz="2400" dirty="0">
+                <a:hlinkClick r:id="rId2"/>
+              </a:rPr>
+              <a:t>https://github.com/jindongwang/Pytorch-CapsuleNet</a:t>
+            </a:r>
+            <a:r>
+              <a:rPr lang="en-US" altLang="zh-CN" sz="2400" dirty="0"/>
+              <a:t> </a:t>
+            </a:r>
+          </a:p>
+          <a:p>
+            <a:pPr marL="742950" indent="-742950" defTabSz="822960">
+              <a:spcAft>
+                <a:spcPts val="600"/>
+              </a:spcAft>
+              <a:buAutoNum type="arabicPeriod"/>
+            </a:pPr>
+            <a:endParaRPr lang="en-US" altLang="zh-CN" sz="2400" dirty="0"/>
+          </a:p>
+        </p:txBody>
+      </p:sp>
+      <p:graphicFrame>
+        <p:nvGraphicFramePr>
+          <p:cNvPr id="6" name="Table 5">
+            <a:extLst>
+              <a:ext uri="{FF2B5EF4-FFF2-40B4-BE49-F238E27FC236}">
+                <a16:creationId xmlns:a16="http://schemas.microsoft.com/office/drawing/2014/main" id="{0F7C69F7-B5A2-7724-6568-4F89AB209CD3}"/>
+              </a:ext>
+            </a:extLst>
+          </p:cNvPr>
+          <p:cNvGraphicFramePr>
+            <a:graphicFrameLocks noGrp="1"/>
+          </p:cNvGraphicFramePr>
+          <p:nvPr>
+            <p:extLst>
+              <p:ext uri="{D42A27DB-BD31-4B8C-83A1-F6EECF244321}">
+                <p14:modId xmlns:p14="http://schemas.microsoft.com/office/powerpoint/2010/main" val="720593399"/>
+              </p:ext>
+            </p:extLst>
+          </p:nvPr>
+        </p:nvGraphicFramePr>
+        <p:xfrm>
+          <a:off x="1423802" y="5760720"/>
+          <a:ext cx="8214423" cy="1097280"/>
+        </p:xfrm>
+        <a:graphic>
+          <a:graphicData uri="http://schemas.openxmlformats.org/drawingml/2006/table">
+            <a:tbl>
+              <a:tblPr firstRow="1" firstCol="1" bandRow="1">
+                <a:tableStyleId>{5C22544A-7EE6-4342-B048-85BDC9FD1C3A}</a:tableStyleId>
+              </a:tblPr>
+              <a:tblGrid>
+                <a:gridCol w="3176618">
+                  <a:extLst>
+                    <a:ext uri="{9D8B030D-6E8A-4147-A177-3AD203B41FA5}">
+                      <a16:colId xmlns:a16="http://schemas.microsoft.com/office/drawing/2014/main" val="3049905248"/>
+                    </a:ext>
+                  </a:extLst>
+                </a:gridCol>
+                <a:gridCol w="3232949">
+                  <a:extLst>
+                    <a:ext uri="{9D8B030D-6E8A-4147-A177-3AD203B41FA5}">
+                      <a16:colId xmlns:a16="http://schemas.microsoft.com/office/drawing/2014/main" val="1253138539"/>
+                    </a:ext>
+                  </a:extLst>
+                </a:gridCol>
+                <a:gridCol w="1804856">
+                  <a:extLst>
+                    <a:ext uri="{9D8B030D-6E8A-4147-A177-3AD203B41FA5}">
+                      <a16:colId xmlns:a16="http://schemas.microsoft.com/office/drawing/2014/main" val="1705073515"/>
+                    </a:ext>
+                  </a:extLst>
+                </a:gridCol>
+              </a:tblGrid>
+              <a:tr h="155924">
+                <a:tc>
+                  <a:txBody>
+                    <a:bodyPr/>
+                    <a:lstStyle/>
+                    <a:p>
+                      <a:pPr algn="just"/>
+                      <a:r>
+                        <a:rPr lang="en-US" sz="1200" dirty="0">
+                          <a:effectLst/>
+                        </a:rPr>
+                        <a:t>Model</a:t>
+                      </a:r>
+                      <a:endParaRPr lang="zh-CN" sz="1200" dirty="0">
+                        <a:effectLst/>
+                        <a:latin typeface="Times New Roman" panose="02020603050405020304" pitchFamily="18" charset="0"/>
+                        <a:ea typeface="宋体" panose="02010600030101010101" pitchFamily="2" charset="-122"/>
+                      </a:endParaRPr>
+                    </a:p>
+                  </a:txBody>
+                  <a:tcPr marL="68580" marR="68580" marT="0" marB="0"/>
+                </a:tc>
+                <a:tc>
+                  <a:txBody>
+                    <a:bodyPr/>
+                    <a:lstStyle/>
+                    <a:p>
+                      <a:pPr algn="just"/>
+                      <a:r>
+                        <a:rPr lang="en-US" sz="1200" dirty="0">
+                          <a:effectLst/>
+                        </a:rPr>
+                        <a:t>Train CE</a:t>
+                      </a:r>
+                      <a:endParaRPr lang="zh-CN" sz="1200" dirty="0">
+                        <a:effectLst/>
+                        <a:latin typeface="Times New Roman" panose="02020603050405020304" pitchFamily="18" charset="0"/>
+                        <a:ea typeface="宋体" panose="02010600030101010101" pitchFamily="2" charset="-122"/>
+                      </a:endParaRPr>
+                    </a:p>
+                  </a:txBody>
+                  <a:tcPr marL="68580" marR="68580" marT="0" marB="0"/>
+                </a:tc>
+                <a:tc>
+                  <a:txBody>
+                    <a:bodyPr/>
+                    <a:lstStyle/>
+                    <a:p>
+                      <a:pPr algn="just"/>
+                      <a:r>
+                        <a:rPr lang="en-US" sz="1200" dirty="0">
+                          <a:effectLst/>
+                        </a:rPr>
+                        <a:t> Val Acc Top1</a:t>
+                      </a:r>
+                      <a:endParaRPr lang="zh-CN" sz="1200" dirty="0">
+                        <a:effectLst/>
+                        <a:latin typeface="Times New Roman" panose="02020603050405020304" pitchFamily="18" charset="0"/>
+                        <a:ea typeface="宋体" panose="02010600030101010101" pitchFamily="2" charset="-122"/>
+                      </a:endParaRPr>
+                    </a:p>
+                  </a:txBody>
+                  <a:tcPr marL="68580" marR="68580" marT="0" marB="0"/>
+                </a:tc>
+                <a:extLst>
+                  <a:ext uri="{0D108BD9-81ED-4DB2-BD59-A6C34878D82A}">
+                    <a16:rowId xmlns:a16="http://schemas.microsoft.com/office/drawing/2014/main" val="2781599134"/>
+                  </a:ext>
+                </a:extLst>
+              </a:tr>
+              <a:tr h="311848">
+                <a:tc>
+                  <a:txBody>
+                    <a:bodyPr/>
+                    <a:lstStyle/>
+                    <a:p>
+                      <a:pPr algn="just"/>
+                      <a:r>
+                        <a:rPr lang="en-US" altLang="zh-CN" sz="1200" dirty="0" err="1"/>
+                        <a:t>CapsuleNet</a:t>
+                      </a:r>
+                      <a:r>
+                        <a:rPr lang="en-US" altLang="zh-CN" sz="1200" dirty="0"/>
+                        <a:t> </a:t>
+                      </a:r>
+                    </a:p>
+                    <a:p>
+                      <a:pPr algn="just"/>
+                      <a:r>
+                        <a:rPr lang="en-US" altLang="zh-CN" sz="1200" dirty="0" err="1"/>
+                        <a:t>FashionMnist</a:t>
+                      </a:r>
+                      <a:endParaRPr lang="en-US" sz="1200" dirty="0">
+                        <a:effectLst/>
+                      </a:endParaRPr>
+                    </a:p>
+                  </a:txBody>
+                  <a:tcPr marL="68580" marR="68580" marT="0" marB="0"/>
+                </a:tc>
+                <a:tc>
+                  <a:txBody>
+                    <a:bodyPr/>
+                    <a:lstStyle/>
+                    <a:p>
+                      <a:pPr algn="just"/>
+                      <a:r>
+                        <a:rPr lang="en-US" sz="1200" dirty="0">
+                          <a:effectLst/>
+                        </a:rPr>
+                        <a:t>0.385</a:t>
+                      </a:r>
+                      <a:endParaRPr lang="zh-CN" sz="1200" dirty="0">
+                        <a:effectLst/>
+                        <a:latin typeface="Times New Roman" panose="02020603050405020304" pitchFamily="18" charset="0"/>
+                        <a:ea typeface="宋体" panose="02010600030101010101" pitchFamily="2" charset="-122"/>
+                      </a:endParaRPr>
+                    </a:p>
+                  </a:txBody>
+                  <a:tcPr marL="68580" marR="68580" marT="0" marB="0"/>
+                </a:tc>
+                <a:tc>
+                  <a:txBody>
+                    <a:bodyPr/>
+                    <a:lstStyle/>
+                    <a:p>
+                      <a:pPr algn="just"/>
+                      <a:r>
+                        <a:rPr lang="en-US" sz="1200" dirty="0">
+                          <a:effectLst/>
+                        </a:rPr>
+                        <a:t>84.92%</a:t>
+                      </a:r>
+                      <a:endParaRPr lang="zh-CN" sz="1200" dirty="0">
+                        <a:effectLst/>
+                        <a:latin typeface="Times New Roman" panose="02020603050405020304" pitchFamily="18" charset="0"/>
+                        <a:ea typeface="宋体" panose="02010600030101010101" pitchFamily="2" charset="-122"/>
+                      </a:endParaRPr>
+                    </a:p>
+                  </a:txBody>
+                  <a:tcPr marL="68580" marR="68580" marT="0" marB="0"/>
+                </a:tc>
+                <a:extLst>
+                  <a:ext uri="{0D108BD9-81ED-4DB2-BD59-A6C34878D82A}">
+                    <a16:rowId xmlns:a16="http://schemas.microsoft.com/office/drawing/2014/main" val="2751015753"/>
+                  </a:ext>
+                </a:extLst>
+              </a:tr>
+              <a:tr h="467772">
+                <a:tc>
+                  <a:txBody>
+                    <a:bodyPr/>
+                    <a:lstStyle/>
+                    <a:p>
+                      <a:pPr algn="just"/>
+                      <a:r>
+                        <a:rPr lang="en-US" altLang="zh-CN" sz="1200" dirty="0" err="1"/>
+                        <a:t>CapsuleNet</a:t>
+                      </a:r>
+                      <a:r>
+                        <a:rPr lang="en-US" altLang="zh-CN" sz="1200" dirty="0"/>
+                        <a:t> </a:t>
+                      </a:r>
+                    </a:p>
+                    <a:p>
+                      <a:pPr algn="just"/>
+                      <a:r>
+                        <a:rPr lang="en-US" altLang="zh-CN" sz="1200" dirty="0"/>
+                        <a:t>Cifar10</a:t>
+                      </a:r>
+                      <a:endParaRPr lang="en-US" altLang="zh-CN" sz="1200" dirty="0">
+                        <a:effectLst/>
+                      </a:endParaRPr>
+                    </a:p>
+                    <a:p>
+                      <a:pPr algn="just"/>
+                      <a:endParaRPr lang="en-US" altLang="zh-CN" sz="1200" dirty="0">
+                        <a:effectLst/>
+                      </a:endParaRPr>
+                    </a:p>
+                  </a:txBody>
+                  <a:tcPr marL="68580" marR="68580" marT="0" marB="0"/>
+                </a:tc>
+                <a:tc>
+                  <a:txBody>
+                    <a:bodyPr/>
+                    <a:lstStyle/>
+                    <a:p>
+                      <a:pPr algn="just"/>
+                      <a:r>
+                        <a:rPr lang="en-US" sz="1200" dirty="0">
+                          <a:effectLst/>
+                        </a:rPr>
+                        <a:t>0.76428</a:t>
+                      </a:r>
+                      <a:endParaRPr lang="zh-CN" sz="1200" dirty="0">
+                        <a:effectLst/>
+                        <a:latin typeface="Times New Roman" panose="02020603050405020304" pitchFamily="18" charset="0"/>
+                        <a:ea typeface="宋体" panose="02010600030101010101" pitchFamily="2" charset="-122"/>
+                      </a:endParaRPr>
+                    </a:p>
+                  </a:txBody>
+                  <a:tcPr marL="68580" marR="68580" marT="0" marB="0"/>
+                </a:tc>
+                <a:tc>
+                  <a:txBody>
+                    <a:bodyPr/>
+                    <a:lstStyle/>
+                    <a:p>
+                      <a:pPr algn="just"/>
+                      <a:r>
+                        <a:rPr lang="en-US" sz="1200" dirty="0">
+                          <a:effectLst/>
+                        </a:rPr>
+                        <a:t>56.49%</a:t>
+                      </a:r>
+                      <a:endParaRPr lang="zh-CN" sz="1200" dirty="0">
+                        <a:effectLst/>
+                        <a:latin typeface="Times New Roman" panose="02020603050405020304" pitchFamily="18" charset="0"/>
+                        <a:ea typeface="宋体" panose="02010600030101010101" pitchFamily="2" charset="-122"/>
+                      </a:endParaRPr>
+                    </a:p>
+                  </a:txBody>
+                  <a:tcPr marL="68580" marR="68580" marT="0" marB="0"/>
+                </a:tc>
+                <a:extLst>
+                  <a:ext uri="{0D108BD9-81ED-4DB2-BD59-A6C34878D82A}">
+                    <a16:rowId xmlns:a16="http://schemas.microsoft.com/office/drawing/2014/main" val="537932868"/>
+                  </a:ext>
+                </a:extLst>
+              </a:tr>
+            </a:tbl>
+          </a:graphicData>
+        </a:graphic>
+      </p:graphicFrame>
+      <p:pic>
+        <p:nvPicPr>
+          <p:cNvPr id="7" name="Picture 6">
+            <a:extLst>
+              <a:ext uri="{FF2B5EF4-FFF2-40B4-BE49-F238E27FC236}">
+                <a16:creationId xmlns:a16="http://schemas.microsoft.com/office/drawing/2014/main" id="{958ABBB3-640D-904D-3C54-C752BD729DEB}"/>
+              </a:ext>
+            </a:extLst>
+          </p:cNvPr>
+          <p:cNvPicPr>
+            <a:picLocks noChangeAspect="1"/>
+          </p:cNvPicPr>
+          <p:nvPr/>
+        </p:nvPicPr>
+        <p:blipFill>
+          <a:blip r:embed="rId3"/>
+          <a:stretch>
+            <a:fillRect/>
+          </a:stretch>
+        </p:blipFill>
+        <p:spPr>
+          <a:xfrm>
+            <a:off x="10052465" y="46012"/>
+            <a:ext cx="1966633" cy="6811988"/>
+          </a:xfrm>
+          <a:prstGeom prst="rect">
+            <a:avLst/>
+          </a:prstGeom>
+        </p:spPr>
+      </p:pic>
+    </p:spTree>
+    <p:extLst>
+      <p:ext uri="{BB962C8B-B14F-4D97-AF65-F5344CB8AC3E}">
+        <p14:creationId xmlns:p14="http://schemas.microsoft.com/office/powerpoint/2010/main" val="1267357676"/>
       </p:ext>
     </p:extLst>
   </p:cSld>
@@ -11110,7 +11763,7 @@
       </p:grpSpPr>
       <p:sp useBgFill="1">
         <p:nvSpPr>
-          <p:cNvPr id="14" name="Rectangle 13">
+          <p:cNvPr id="21" name="Rectangle 20">
             <a:extLst>
               <a:ext uri="{FF2B5EF4-FFF2-40B4-BE49-F238E27FC236}">
                 <a16:creationId xmlns:a16="http://schemas.microsoft.com/office/drawing/2014/main" id="{F13C74B1-5B17-4795-BED0-7140497B445A}"/>
@@ -11206,7 +11859,7 @@
       </p:sp>
       <p:sp>
         <p:nvSpPr>
-          <p:cNvPr id="16" name="sketchy line">
+          <p:cNvPr id="23" name="sketchy line">
             <a:extLst>
               <a:ext uri="{FF2B5EF4-FFF2-40B4-BE49-F238E27FC236}">
                 <a16:creationId xmlns:a16="http://schemas.microsoft.com/office/drawing/2014/main" id="{D4974D33-8DC5-464E-8C6D-BE58F0669C17}"/>
@@ -11533,16 +12186,52 @@
             </a:r>
           </a:p>
           <a:p>
+            <a:r>
+              <a:rPr lang="en-US" altLang="zh-CN" sz="2200" dirty="0"/>
+              <a:t>Sparse-AE</a:t>
+            </a:r>
+          </a:p>
+          <a:p>
+            <a:r>
+              <a:rPr lang="en-US" altLang="zh-CN" sz="2200" dirty="0"/>
+              <a:t>CNN-AE (FCN-</a:t>
+            </a:r>
+            <a:r>
+              <a:rPr lang="en-US" altLang="zh-CN" sz="2200" dirty="0" err="1"/>
+              <a:t>UNet</a:t>
+            </a:r>
+            <a:r>
+              <a:rPr lang="en-US" altLang="zh-CN" sz="2200" dirty="0"/>
+              <a:t>)</a:t>
+            </a:r>
+          </a:p>
+          <a:p>
+            <a:r>
+              <a:rPr lang="en-US" altLang="zh-CN" sz="2200" dirty="0" err="1"/>
+              <a:t>CapsuleNet</a:t>
+            </a:r>
+            <a:endParaRPr lang="en-US" altLang="zh-CN" sz="2200" dirty="0"/>
+          </a:p>
+          <a:p>
+            <a:endParaRPr lang="en-US" altLang="zh-CN" sz="2200" dirty="0"/>
+          </a:p>
+          <a:p>
+            <a:endParaRPr lang="en-US" altLang="zh-CN" sz="2200" dirty="0"/>
+          </a:p>
+          <a:p>
+            <a:endParaRPr lang="en-US" altLang="zh-CN" sz="2200" dirty="0"/>
+          </a:p>
+          <a:p>
             <a:endParaRPr lang="en-US" altLang="zh-CN" sz="2200" dirty="0"/>
           </a:p>
         </p:txBody>
       </p:sp>
       <p:pic>
         <p:nvPicPr>
-          <p:cNvPr id="4" name="Picture 3">
-            <a:extLst>
-              <a:ext uri="{FF2B5EF4-FFF2-40B4-BE49-F238E27FC236}">
-                <a16:creationId xmlns:a16="http://schemas.microsoft.com/office/drawing/2014/main" id="{13CE7298-8409-B7A8-1863-0B2D5770AF57}"/>
+          <p:cNvPr id="5" name="Picture 4">
+            <a:extLst>
+              <a:ext uri="{FF2B5EF4-FFF2-40B4-BE49-F238E27FC236}">
+                <a16:creationId xmlns:a16="http://schemas.microsoft.com/office/drawing/2014/main" id="{C9D2CB3B-611A-A467-7518-4C3D996B8A4A}"/>
               </a:ext>
             </a:extLst>
           </p:cNvPr>
@@ -11553,7 +12242,7 @@
         </p:nvPicPr>
         <p:blipFill rotWithShape="1">
           <a:blip r:embed="rId2"/>
-          <a:srcRect r="10227" b="-2"/>
+          <a:srcRect r="12989" b="2"/>
           <a:stretch/>
         </p:blipFill>
         <p:spPr>

--- a/ties4911-task03-YanrenQu.pptx
+++ b/ties4911-task03-YanrenQu.pptx
@@ -9800,10 +9800,10 @@
       </p:graphicFrame>
       <p:pic>
         <p:nvPicPr>
-          <p:cNvPr id="7" name="Picture 6">
-            <a:extLst>
-              <a:ext uri="{FF2B5EF4-FFF2-40B4-BE49-F238E27FC236}">
-                <a16:creationId xmlns:a16="http://schemas.microsoft.com/office/drawing/2014/main" id="{958ABBB3-640D-904D-3C54-C752BD729DEB}"/>
+          <p:cNvPr id="9" name="Picture 8">
+            <a:extLst>
+              <a:ext uri="{FF2B5EF4-FFF2-40B4-BE49-F238E27FC236}">
+                <a16:creationId xmlns:a16="http://schemas.microsoft.com/office/drawing/2014/main" id="{9BF96A3A-A829-8ABB-663B-E3BBF0221CCD}"/>
               </a:ext>
             </a:extLst>
           </p:cNvPr>
@@ -9820,8 +9820,8 @@
         </p:blipFill>
         <p:spPr>
           <a:xfrm>
-            <a:off x="10052465" y="46012"/>
-            <a:ext cx="1966633" cy="6811988"/>
+            <a:off x="10003382" y="0"/>
+            <a:ext cx="1926832" cy="6858000"/>
           </a:xfrm>
           <a:prstGeom prst="rect">
             <a:avLst/>

--- a/ties4911-task03-YanrenQu.pptx
+++ b/ties4911-task03-YanrenQu.pptx
@@ -5642,14 +5642,59 @@
         </p:blipFill>
         <p:spPr>
           <a:xfrm>
-            <a:off x="6453937" y="2566319"/>
-            <a:ext cx="2496415" cy="899863"/>
+            <a:off x="6015661" y="2464977"/>
+            <a:ext cx="2706007" cy="1001205"/>
           </a:xfrm>
           <a:prstGeom prst="rect">
             <a:avLst/>
           </a:prstGeom>
         </p:spPr>
       </p:pic>
+      <p:sp>
+        <p:nvSpPr>
+          <p:cNvPr id="6" name="AutoShape 2">
+            <a:extLst>
+              <a:ext uri="{FF2B5EF4-FFF2-40B4-BE49-F238E27FC236}">
+                <a16:creationId xmlns:a16="http://schemas.microsoft.com/office/drawing/2014/main" id="{89D66360-5395-1410-E528-639612E167CB}"/>
+              </a:ext>
+            </a:extLst>
+          </p:cNvPr>
+          <p:cNvSpPr>
+            <a:spLocks noChangeAspect="1" noChangeArrowheads="1"/>
+          </p:cNvSpPr>
+          <p:nvPr/>
+        </p:nvSpPr>
+        <p:spPr bwMode="auto">
+          <a:xfrm>
+            <a:off x="5313872" y="2646872"/>
+            <a:ext cx="934528" cy="934528"/>
+          </a:xfrm>
+          <a:prstGeom prst="rect">
+            <a:avLst/>
+          </a:prstGeom>
+          <a:noFill/>
+          <a:extLst>
+            <a:ext uri="{909E8E84-426E-40DD-AFC4-6F175D3DCCD1}">
+              <a14:hiddenFill xmlns:a14="http://schemas.microsoft.com/office/drawing/2010/main">
+                <a:solidFill>
+                  <a:srgbClr val="FFFFFF"/>
+                </a:solidFill>
+              </a14:hiddenFill>
+            </a:ext>
+          </a:extLst>
+        </p:spPr>
+        <p:txBody>
+          <a:bodyPr vert="horz" wrap="square" lIns="91440" tIns="45720" rIns="91440" bIns="45720" numCol="1" anchor="t" anchorCtr="0" compatLnSpc="1">
+            <a:prstTxWarp prst="textNoShape">
+              <a:avLst/>
+            </a:prstTxWarp>
+          </a:bodyPr>
+          <a:lstStyle/>
+          <a:p>
+            <a:endParaRPr lang="zh-CN" altLang="en-US"/>
+          </a:p>
+        </p:txBody>
+      </p:sp>
     </p:spTree>
     <p:extLst>
       <p:ext uri="{BB962C8B-B14F-4D97-AF65-F5344CB8AC3E}">
@@ -5856,7 +5901,7 @@
           <p:nvPr>
             <p:extLst>
               <p:ext uri="{D42A27DB-BD31-4B8C-83A1-F6EECF244321}">
-                <p14:modId xmlns:p14="http://schemas.microsoft.com/office/powerpoint/2010/main" val="1218005089"/>
+                <p14:modId xmlns:p14="http://schemas.microsoft.com/office/powerpoint/2010/main" val="2688407370"/>
               </p:ext>
             </p:extLst>
           </p:nvPr>
@@ -6415,7 +6460,7 @@
                         <a:rPr lang="en-US" sz="1200" dirty="0">
                           <a:effectLst/>
                         </a:rPr>
-                        <a:t> 9.2882e-3</a:t>
+                        <a:t>9.2882e-3</a:t>
                       </a:r>
                       <a:endParaRPr lang="zh-CN" sz="1200" dirty="0">
                         <a:effectLst/>
@@ -6540,7 +6585,7 @@
                         <a:rPr lang="en-US" sz="1200" dirty="0">
                           <a:effectLst/>
                         </a:rPr>
-                        <a:t> 0.01716</a:t>
+                        <a:t>0.01716</a:t>
                       </a:r>
                       <a:endParaRPr lang="zh-CN" sz="1200" dirty="0">
                         <a:effectLst/>
@@ -6604,7 +6649,7 @@
         </p:blipFill>
         <p:spPr>
           <a:xfrm>
-            <a:off x="5846619" y="2615637"/>
+            <a:off x="6020308" y="2607704"/>
             <a:ext cx="2581227" cy="1076592"/>
           </a:xfrm>
           <a:prstGeom prst="rect">
@@ -7700,7 +7745,7 @@
           <a:p>
             <a:r>
               <a:rPr lang="en-US" altLang="zh-CN" sz="5400" dirty="0"/>
-              <a:t>Task3-4 Results AE on Cifar10</a:t>
+              <a:t>Task3-4 Results AE</a:t>
             </a:r>
             <a:endParaRPr lang="zh-CN" altLang="en-US" sz="5400" dirty="0"/>
           </a:p>
@@ -7834,7 +7879,7 @@
           <p:nvPr>
             <p:extLst>
               <p:ext uri="{D42A27DB-BD31-4B8C-83A1-F6EECF244321}">
-                <p14:modId xmlns:p14="http://schemas.microsoft.com/office/powerpoint/2010/main" val="928045625"/>
+                <p14:modId xmlns:p14="http://schemas.microsoft.com/office/powerpoint/2010/main" val="3028662958"/>
               </p:ext>
             </p:extLst>
           </p:nvPr>
@@ -7925,7 +7970,7 @@
                         <a:rPr lang="en-US" sz="1200" dirty="0">
                           <a:effectLst/>
                         </a:rPr>
-                        <a:t> Val Acc Top1</a:t>
+                        <a:t> Val Acc</a:t>
                       </a:r>
                       <a:endParaRPr lang="zh-CN" sz="1200" dirty="0">
                         <a:effectLst/>
@@ -7964,7 +8009,7 @@
                           <a:latin typeface="Times New Roman" panose="02020603050405020304" pitchFamily="18" charset="0"/>
                           <a:ea typeface="宋体" panose="02010600030101010101" pitchFamily="2" charset="-122"/>
                         </a:rPr>
-                        <a:t>784-512-128-512-784-18</a:t>
+                        <a:t>784-512-128-512-784</a:t>
                       </a:r>
                     </a:p>
                     <a:p>
@@ -8046,7 +8091,7 @@
                           <a:latin typeface="Times New Roman" panose="02020603050405020304" pitchFamily="18" charset="0"/>
                           <a:ea typeface="宋体" panose="02010600030101010101" pitchFamily="2" charset="-122"/>
                         </a:rPr>
-                        <a:t>784-1024-2048-1024-784-18</a:t>
+                        <a:t>784-1024-2048-1024-784</a:t>
                       </a:r>
                     </a:p>
                     <a:p>
@@ -8658,7 +8703,7 @@
           <p:nvPr>
             <p:extLst>
               <p:ext uri="{D42A27DB-BD31-4B8C-83A1-F6EECF244321}">
-                <p14:modId xmlns:p14="http://schemas.microsoft.com/office/powerpoint/2010/main" val="2911531200"/>
+                <p14:modId xmlns:p14="http://schemas.microsoft.com/office/powerpoint/2010/main" val="241205796"/>
               </p:ext>
             </p:extLst>
           </p:nvPr>
@@ -8749,7 +8794,7 @@
                         <a:rPr lang="en-US" sz="1200" dirty="0">
                           <a:effectLst/>
                         </a:rPr>
-                        <a:t> Val Acc Top1</a:t>
+                        <a:t> Val Acc</a:t>
                       </a:r>
                       <a:endParaRPr lang="zh-CN" sz="1200" dirty="0">
                         <a:effectLst/>
@@ -8786,7 +8831,7 @@
                           <a:latin typeface="Times New Roman" panose="02020603050405020304" pitchFamily="18" charset="0"/>
                           <a:ea typeface="宋体" panose="02010600030101010101" pitchFamily="2" charset="-122"/>
                         </a:rPr>
-                        <a:t>16-32-64-128-128-64-32-16</a:t>
+                        <a:t>16-32-64-128-128-64-32</a:t>
                       </a:r>
                     </a:p>
                     <a:p>
@@ -9526,7 +9571,7 @@
           <p:nvPr>
             <p:extLst>
               <p:ext uri="{D42A27DB-BD31-4B8C-83A1-F6EECF244321}">
-                <p14:modId xmlns:p14="http://schemas.microsoft.com/office/powerpoint/2010/main" val="720593399"/>
+                <p14:modId xmlns:p14="http://schemas.microsoft.com/office/powerpoint/2010/main" val="3375202500"/>
               </p:ext>
             </p:extLst>
           </p:nvPr>
@@ -9617,7 +9662,13 @@
                         <a:rPr lang="en-US" sz="1200" dirty="0">
                           <a:effectLst/>
                         </a:rPr>
-                        <a:t> Val Acc Top1</a:t>
+                        <a:t> </a:t>
+                      </a:r>
+                      <a:r>
+                        <a:rPr lang="en-US" sz="1200">
+                          <a:effectLst/>
+                        </a:rPr>
+                        <a:t>Val Acc</a:t>
                       </a:r>
                       <a:endParaRPr lang="zh-CN" sz="1200" dirty="0">
                         <a:effectLst/>
@@ -10542,6 +10593,14 @@
 <file path=ppt/slides/slide4.xml><?xml version="1.0" encoding="utf-8"?>
 <p:sld xmlns:a="http://schemas.openxmlformats.org/drawingml/2006/main" xmlns:r="http://schemas.openxmlformats.org/officeDocument/2006/relationships" xmlns:p="http://schemas.openxmlformats.org/presentationml/2006/main">
   <p:cSld>
+    <p:bg>
+      <p:bgPr>
+        <a:solidFill>
+          <a:schemeClr val="bg1"/>
+        </a:solidFill>
+        <a:effectLst/>
+      </p:bgPr>
+    </p:bg>
     <p:spTree>
       <p:nvGrpSpPr>
         <p:cNvPr id="1" name=""/>
@@ -10556,6 +10615,540 @@
           <a:chExt cx="0" cy="0"/>
         </a:xfrm>
       </p:grpSpPr>
+      <p:sp useBgFill="1">
+        <p:nvSpPr>
+          <p:cNvPr id="25" name="Rectangle 24">
+            <a:extLst>
+              <a:ext uri="{FF2B5EF4-FFF2-40B4-BE49-F238E27FC236}">
+                <a16:creationId xmlns:a16="http://schemas.microsoft.com/office/drawing/2014/main" id="{63F5877B-98C7-49DD-83AB-0F6F57CB6543}"/>
+              </a:ext>
+              <a:ext uri="{C183D7F6-B498-43B3-948B-1728B52AA6E4}">
+                <adec:decorative xmlns:adec="http://schemas.microsoft.com/office/drawing/2017/decorative" val="1"/>
+              </a:ext>
+            </a:extLst>
+          </p:cNvPr>
+          <p:cNvSpPr>
+            <a:spLocks noGrp="1" noRot="1" noChangeAspect="1" noMove="1" noResize="1" noEditPoints="1" noAdjustHandles="1" noChangeArrowheads="1" noChangeShapeType="1" noTextEdit="1"/>
+          </p:cNvSpPr>
+          <p:nvPr>
+            <p:extLst>
+              <p:ext uri="{386F3935-93C4-4BCD-93E2-E3B085C9AB24}">
+                <p16:designElem xmlns:p16="http://schemas.microsoft.com/office/powerpoint/2015/main" val="1"/>
+              </p:ext>
+            </p:extLst>
+          </p:nvPr>
+        </p:nvSpPr>
+        <p:spPr>
+          <a:xfrm>
+            <a:off x="0" y="0"/>
+            <a:ext cx="12192000" cy="6858000"/>
+          </a:xfrm>
+          <a:prstGeom prst="rect">
+            <a:avLst/>
+          </a:prstGeom>
+          <a:ln>
+            <a:noFill/>
+          </a:ln>
+        </p:spPr>
+        <p:style>
+          <a:lnRef idx="2">
+            <a:schemeClr val="accent1">
+              <a:shade val="50000"/>
+            </a:schemeClr>
+          </a:lnRef>
+          <a:fillRef idx="1">
+            <a:schemeClr val="accent1"/>
+          </a:fillRef>
+          <a:effectRef idx="0">
+            <a:schemeClr val="accent1"/>
+          </a:effectRef>
+          <a:fontRef idx="minor">
+            <a:schemeClr val="lt1"/>
+          </a:fontRef>
+        </p:style>
+        <p:txBody>
+          <a:bodyPr rtlCol="0" anchor="ctr"/>
+          <a:lstStyle/>
+          <a:p>
+            <a:pPr algn="ctr"/>
+            <a:endParaRPr lang="en-US"/>
+          </a:p>
+        </p:txBody>
+      </p:sp>
+      <p:pic>
+        <p:nvPicPr>
+          <p:cNvPr id="7" name="Picture 6">
+            <a:extLst>
+              <a:ext uri="{FF2B5EF4-FFF2-40B4-BE49-F238E27FC236}">
+                <a16:creationId xmlns:a16="http://schemas.microsoft.com/office/drawing/2014/main" id="{AB36BF75-277D-C936-C5E8-9287F1B37208}"/>
+              </a:ext>
+            </a:extLst>
+          </p:cNvPr>
+          <p:cNvPicPr>
+            <a:picLocks noChangeAspect="1"/>
+          </p:cNvPicPr>
+          <p:nvPr/>
+        </p:nvPicPr>
+        <p:blipFill rotWithShape="1">
+          <a:blip r:embed="rId2"/>
+          <a:srcRect r="23272"/>
+          <a:stretch/>
+        </p:blipFill>
+        <p:spPr>
+          <a:xfrm>
+            <a:off x="7524098" y="0"/>
+            <a:ext cx="4827922" cy="6857999"/>
+          </a:xfrm>
+          <a:custGeom>
+            <a:avLst/>
+            <a:gdLst/>
+            <a:ahLst/>
+            <a:cxnLst/>
+            <a:rect l="l" t="t" r="r" b="b"/>
+            <a:pathLst>
+              <a:path w="4827922" h="6858000">
+                <a:moveTo>
+                  <a:pt x="4441" y="0"/>
+                </a:moveTo>
+                <a:lnTo>
+                  <a:pt x="4827922" y="0"/>
+                </a:lnTo>
+                <a:lnTo>
+                  <a:pt x="4827922" y="6858000"/>
+                </a:lnTo>
+                <a:lnTo>
+                  <a:pt x="0" y="6858000"/>
+                </a:lnTo>
+                <a:lnTo>
+                  <a:pt x="106674" y="6638378"/>
+                </a:lnTo>
+                <a:cubicBezTo>
+                  <a:pt x="530028" y="5720938"/>
+                  <a:pt x="777229" y="4614948"/>
+                  <a:pt x="777229" y="3424428"/>
+                </a:cubicBezTo>
+                <a:cubicBezTo>
+                  <a:pt x="777229" y="2233909"/>
+                  <a:pt x="530028" y="1127919"/>
+                  <a:pt x="106674" y="210478"/>
+                </a:cubicBezTo>
+                <a:close/>
+              </a:path>
+            </a:pathLst>
+          </a:custGeom>
+        </p:spPr>
+      </p:pic>
+      <p:pic>
+        <p:nvPicPr>
+          <p:cNvPr id="5" name="Picture 4">
+            <a:extLst>
+              <a:ext uri="{FF2B5EF4-FFF2-40B4-BE49-F238E27FC236}">
+                <a16:creationId xmlns:a16="http://schemas.microsoft.com/office/drawing/2014/main" id="{6731A7F9-AF98-84FD-3186-13A242F177AE}"/>
+              </a:ext>
+            </a:extLst>
+          </p:cNvPr>
+          <p:cNvPicPr>
+            <a:picLocks noChangeAspect="1"/>
+          </p:cNvPicPr>
+          <p:nvPr/>
+        </p:nvPicPr>
+        <p:blipFill rotWithShape="1">
+          <a:blip r:embed="rId3"/>
+          <a:srcRect r="16039"/>
+          <a:stretch/>
+        </p:blipFill>
+        <p:spPr>
+          <a:xfrm>
+            <a:off x="3386317" y="1"/>
+            <a:ext cx="4966290" cy="6857999"/>
+          </a:xfrm>
+          <a:custGeom>
+            <a:avLst/>
+            <a:gdLst/>
+            <a:ahLst/>
+            <a:cxnLst/>
+            <a:rect l="l" t="t" r="r" b="b"/>
+            <a:pathLst>
+              <a:path w="4966290" h="6857999">
+                <a:moveTo>
+                  <a:pt x="0" y="0"/>
+                </a:moveTo>
+                <a:lnTo>
+                  <a:pt x="4188230" y="0"/>
+                </a:lnTo>
+                <a:lnTo>
+                  <a:pt x="4295735" y="210478"/>
+                </a:lnTo>
+                <a:cubicBezTo>
+                  <a:pt x="4719089" y="1127919"/>
+                  <a:pt x="4966290" y="2233909"/>
+                  <a:pt x="4966290" y="3424428"/>
+                </a:cubicBezTo>
+                <a:cubicBezTo>
+                  <a:pt x="4966290" y="4614948"/>
+                  <a:pt x="4719089" y="5720938"/>
+                  <a:pt x="4295735" y="6638378"/>
+                </a:cubicBezTo>
+                <a:lnTo>
+                  <a:pt x="4183560" y="6857999"/>
+                </a:lnTo>
+                <a:lnTo>
+                  <a:pt x="53039" y="6857999"/>
+                </a:lnTo>
+                <a:lnTo>
+                  <a:pt x="132047" y="6695338"/>
+                </a:lnTo>
+                <a:cubicBezTo>
+                  <a:pt x="555401" y="5777898"/>
+                  <a:pt x="802602" y="4671908"/>
+                  <a:pt x="802602" y="3481388"/>
+                </a:cubicBezTo>
+                <a:cubicBezTo>
+                  <a:pt x="802602" y="2191659"/>
+                  <a:pt x="512484" y="1001134"/>
+                  <a:pt x="22579" y="42066"/>
+                </a:cubicBezTo>
+                <a:close/>
+              </a:path>
+            </a:pathLst>
+          </a:custGeom>
+        </p:spPr>
+      </p:pic>
+      <p:sp useBgFill="1">
+        <p:nvSpPr>
+          <p:cNvPr id="27" name="Freeform: Shape 26">
+            <a:extLst>
+              <a:ext uri="{FF2B5EF4-FFF2-40B4-BE49-F238E27FC236}">
+                <a16:creationId xmlns:a16="http://schemas.microsoft.com/office/drawing/2014/main" id="{4EA91930-66BC-4C41-B4F5-C31EB216F64B}"/>
+              </a:ext>
+              <a:ext uri="{C183D7F6-B498-43B3-948B-1728B52AA6E4}">
+                <adec:decorative xmlns:adec="http://schemas.microsoft.com/office/drawing/2017/decorative" val="1"/>
+              </a:ext>
+            </a:extLst>
+          </p:cNvPr>
+          <p:cNvSpPr>
+            <a:spLocks noGrp="1" noRot="1" noChangeAspect="1" noMove="1" noResize="1" noEditPoints="1" noAdjustHandles="1" noChangeArrowheads="1" noChangeShapeType="1" noTextEdit="1"/>
+          </p:cNvSpPr>
+          <p:nvPr>
+            <p:extLst>
+              <p:ext uri="{386F3935-93C4-4BCD-93E2-E3B085C9AB24}">
+                <p16:designElem xmlns:p16="http://schemas.microsoft.com/office/powerpoint/2015/main" val="1"/>
+              </p:ext>
+            </p:extLst>
+          </p:nvPr>
+        </p:nvSpPr>
+        <p:spPr>
+          <a:xfrm>
+            <a:off x="0" y="0"/>
+            <a:ext cx="3945815" cy="6858000"/>
+          </a:xfrm>
+          <a:custGeom>
+            <a:avLst/>
+            <a:gdLst>
+              <a:gd name="connsiteX0" fmla="*/ 0 w 3945815"/>
+              <a:gd name="connsiteY0" fmla="*/ 0 h 6858000"/>
+              <a:gd name="connsiteX1" fmla="*/ 3138662 w 3945815"/>
+              <a:gd name="connsiteY1" fmla="*/ 0 h 6858000"/>
+              <a:gd name="connsiteX2" fmla="*/ 3275260 w 3945815"/>
+              <a:gd name="connsiteY2" fmla="*/ 267438 h 6858000"/>
+              <a:gd name="connsiteX3" fmla="*/ 3945815 w 3945815"/>
+              <a:gd name="connsiteY3" fmla="*/ 3481388 h 6858000"/>
+              <a:gd name="connsiteX4" fmla="*/ 3275260 w 3945815"/>
+              <a:gd name="connsiteY4" fmla="*/ 6695338 h 6858000"/>
+              <a:gd name="connsiteX5" fmla="*/ 3192177 w 3945815"/>
+              <a:gd name="connsiteY5" fmla="*/ 6858000 h 6858000"/>
+              <a:gd name="connsiteX6" fmla="*/ 0 w 3945815"/>
+              <a:gd name="connsiteY6" fmla="*/ 6858000 h 6858000"/>
+            </a:gdLst>
+            <a:ahLst/>
+            <a:cxnLst>
+              <a:cxn ang="0">
+                <a:pos x="connsiteX0" y="connsiteY0"/>
+              </a:cxn>
+              <a:cxn ang="0">
+                <a:pos x="connsiteX1" y="connsiteY1"/>
+              </a:cxn>
+              <a:cxn ang="0">
+                <a:pos x="connsiteX2" y="connsiteY2"/>
+              </a:cxn>
+              <a:cxn ang="0">
+                <a:pos x="connsiteX3" y="connsiteY3"/>
+              </a:cxn>
+              <a:cxn ang="0">
+                <a:pos x="connsiteX4" y="connsiteY4"/>
+              </a:cxn>
+              <a:cxn ang="0">
+                <a:pos x="connsiteX5" y="connsiteY5"/>
+              </a:cxn>
+              <a:cxn ang="0">
+                <a:pos x="connsiteX6" y="connsiteY6"/>
+              </a:cxn>
+            </a:cxnLst>
+            <a:rect l="l" t="t" r="r" b="b"/>
+            <a:pathLst>
+              <a:path w="3945815" h="6858000">
+                <a:moveTo>
+                  <a:pt x="0" y="0"/>
+                </a:moveTo>
+                <a:lnTo>
+                  <a:pt x="3138662" y="0"/>
+                </a:lnTo>
+                <a:lnTo>
+                  <a:pt x="3275260" y="267438"/>
+                </a:lnTo>
+                <a:cubicBezTo>
+                  <a:pt x="3698614" y="1184879"/>
+                  <a:pt x="3945815" y="2290869"/>
+                  <a:pt x="3945815" y="3481388"/>
+                </a:cubicBezTo>
+                <a:cubicBezTo>
+                  <a:pt x="3945815" y="4671908"/>
+                  <a:pt x="3698614" y="5777898"/>
+                  <a:pt x="3275260" y="6695338"/>
+                </a:cubicBezTo>
+                <a:lnTo>
+                  <a:pt x="3192177" y="6858000"/>
+                </a:lnTo>
+                <a:lnTo>
+                  <a:pt x="0" y="6858000"/>
+                </a:lnTo>
+                <a:close/>
+              </a:path>
+            </a:pathLst>
+          </a:custGeom>
+          <a:ln w="9525">
+            <a:solidFill>
+              <a:srgbClr val="EFEFEF"/>
+            </a:solidFill>
+          </a:ln>
+          <a:effectLst>
+            <a:outerShdw blurRad="50800" dist="38100" algn="l" rotWithShape="0">
+              <a:schemeClr val="bg1">
+                <a:lumMod val="85000"/>
+                <a:alpha val="30000"/>
+              </a:schemeClr>
+            </a:outerShdw>
+          </a:effectLst>
+        </p:spPr>
+        <p:style>
+          <a:lnRef idx="2">
+            <a:schemeClr val="accent1">
+              <a:shade val="50000"/>
+            </a:schemeClr>
+          </a:lnRef>
+          <a:fillRef idx="1">
+            <a:schemeClr val="accent1"/>
+          </a:fillRef>
+          <a:effectRef idx="0">
+            <a:schemeClr val="accent1"/>
+          </a:effectRef>
+          <a:fontRef idx="minor">
+            <a:schemeClr val="lt1"/>
+          </a:fontRef>
+        </p:style>
+        <p:txBody>
+          <a:bodyPr wrap="square" rtlCol="0" anchor="ctr">
+            <a:noAutofit/>
+          </a:bodyPr>
+          <a:lstStyle/>
+          <a:p>
+            <a:pPr marL="0" marR="0" lvl="0" indent="0" algn="ctr" defTabSz="914400" rtl="0" eaLnBrk="1" fontAlgn="auto" latinLnBrk="0" hangingPunct="1">
+              <a:lnSpc>
+                <a:spcPct val="100000"/>
+              </a:lnSpc>
+              <a:spcBef>
+                <a:spcPts val="0"/>
+              </a:spcBef>
+              <a:spcAft>
+                <a:spcPts val="0"/>
+              </a:spcAft>
+              <a:buClrTx/>
+              <a:buSzTx/>
+              <a:buFontTx/>
+              <a:buNone/>
+              <a:tabLst/>
+              <a:defRPr/>
+            </a:pPr>
+            <a:endParaRPr kumimoji="0" lang="en-US" sz="1800" b="0" i="0" u="none" strike="noStrike" kern="1200" cap="none" spc="0" normalizeH="0" baseline="0" noProof="0">
+              <a:ln>
+                <a:noFill/>
+              </a:ln>
+              <a:solidFill>
+                <a:prstClr val="white"/>
+              </a:solidFill>
+              <a:effectLst/>
+              <a:uLnTx/>
+              <a:uFillTx/>
+              <a:latin typeface="Calibri" panose="020F0502020204030204"/>
+              <a:ea typeface="+mn-ea"/>
+              <a:cs typeface="+mn-cs"/>
+            </a:endParaRPr>
+          </a:p>
+        </p:txBody>
+      </p:sp>
+      <p:sp useBgFill="1">
+        <p:nvSpPr>
+          <p:cNvPr id="29" name="Freeform: Shape 28">
+            <a:extLst>
+              <a:ext uri="{FF2B5EF4-FFF2-40B4-BE49-F238E27FC236}">
+                <a16:creationId xmlns:a16="http://schemas.microsoft.com/office/drawing/2014/main" id="{6313CF8F-B436-401E-9575-DE0F8E8B5B17}"/>
+              </a:ext>
+              <a:ext uri="{C183D7F6-B498-43B3-948B-1728B52AA6E4}">
+                <adec:decorative xmlns:adec="http://schemas.microsoft.com/office/drawing/2017/decorative" val="1"/>
+              </a:ext>
+            </a:extLst>
+          </p:cNvPr>
+          <p:cNvSpPr>
+            <a:spLocks noGrp="1" noRot="1" noChangeAspect="1" noMove="1" noResize="1" noEditPoints="1" noAdjustHandles="1" noChangeArrowheads="1" noChangeShapeType="1" noTextEdit="1"/>
+          </p:cNvSpPr>
+          <p:nvPr>
+            <p:extLst>
+              <p:ext uri="{386F3935-93C4-4BCD-93E2-E3B085C9AB24}">
+                <p16:designElem xmlns:p16="http://schemas.microsoft.com/office/powerpoint/2015/main" val="1"/>
+              </p:ext>
+            </p:extLst>
+          </p:nvPr>
+        </p:nvSpPr>
+        <p:spPr>
+          <a:xfrm>
+            <a:off x="0" y="0"/>
+            <a:ext cx="3936670" cy="6858000"/>
+          </a:xfrm>
+          <a:custGeom>
+            <a:avLst/>
+            <a:gdLst>
+              <a:gd name="connsiteX0" fmla="*/ 0 w 3936670"/>
+              <a:gd name="connsiteY0" fmla="*/ 0 h 6858000"/>
+              <a:gd name="connsiteX1" fmla="*/ 3129517 w 3936670"/>
+              <a:gd name="connsiteY1" fmla="*/ 0 h 6858000"/>
+              <a:gd name="connsiteX2" fmla="*/ 3266115 w 3936670"/>
+              <a:gd name="connsiteY2" fmla="*/ 267438 h 6858000"/>
+              <a:gd name="connsiteX3" fmla="*/ 3936670 w 3936670"/>
+              <a:gd name="connsiteY3" fmla="*/ 3481388 h 6858000"/>
+              <a:gd name="connsiteX4" fmla="*/ 3266115 w 3936670"/>
+              <a:gd name="connsiteY4" fmla="*/ 6695338 h 6858000"/>
+              <a:gd name="connsiteX5" fmla="*/ 3183032 w 3936670"/>
+              <a:gd name="connsiteY5" fmla="*/ 6858000 h 6858000"/>
+              <a:gd name="connsiteX6" fmla="*/ 0 w 3936670"/>
+              <a:gd name="connsiteY6" fmla="*/ 6858000 h 6858000"/>
+            </a:gdLst>
+            <a:ahLst/>
+            <a:cxnLst>
+              <a:cxn ang="0">
+                <a:pos x="connsiteX0" y="connsiteY0"/>
+              </a:cxn>
+              <a:cxn ang="0">
+                <a:pos x="connsiteX1" y="connsiteY1"/>
+              </a:cxn>
+              <a:cxn ang="0">
+                <a:pos x="connsiteX2" y="connsiteY2"/>
+              </a:cxn>
+              <a:cxn ang="0">
+                <a:pos x="connsiteX3" y="connsiteY3"/>
+              </a:cxn>
+              <a:cxn ang="0">
+                <a:pos x="connsiteX4" y="connsiteY4"/>
+              </a:cxn>
+              <a:cxn ang="0">
+                <a:pos x="connsiteX5" y="connsiteY5"/>
+              </a:cxn>
+              <a:cxn ang="0">
+                <a:pos x="connsiteX6" y="connsiteY6"/>
+              </a:cxn>
+            </a:cxnLst>
+            <a:rect l="l" t="t" r="r" b="b"/>
+            <a:pathLst>
+              <a:path w="3936670" h="6858000">
+                <a:moveTo>
+                  <a:pt x="0" y="0"/>
+                </a:moveTo>
+                <a:lnTo>
+                  <a:pt x="3129517" y="0"/>
+                </a:lnTo>
+                <a:lnTo>
+                  <a:pt x="3266115" y="267438"/>
+                </a:lnTo>
+                <a:cubicBezTo>
+                  <a:pt x="3689469" y="1184879"/>
+                  <a:pt x="3936670" y="2290869"/>
+                  <a:pt x="3936670" y="3481388"/>
+                </a:cubicBezTo>
+                <a:cubicBezTo>
+                  <a:pt x="3936670" y="4671908"/>
+                  <a:pt x="3689469" y="5777898"/>
+                  <a:pt x="3266115" y="6695338"/>
+                </a:cubicBezTo>
+                <a:lnTo>
+                  <a:pt x="3183032" y="6858000"/>
+                </a:lnTo>
+                <a:lnTo>
+                  <a:pt x="0" y="6858000"/>
+                </a:lnTo>
+                <a:close/>
+              </a:path>
+            </a:pathLst>
+          </a:custGeom>
+          <a:ln w="9525">
+            <a:noFill/>
+          </a:ln>
+          <a:effectLst/>
+        </p:spPr>
+        <p:style>
+          <a:lnRef idx="2">
+            <a:schemeClr val="accent1">
+              <a:shade val="50000"/>
+            </a:schemeClr>
+          </a:lnRef>
+          <a:fillRef idx="1">
+            <a:schemeClr val="accent1"/>
+          </a:fillRef>
+          <a:effectRef idx="0">
+            <a:schemeClr val="accent1"/>
+          </a:effectRef>
+          <a:fontRef idx="minor">
+            <a:schemeClr val="lt1"/>
+          </a:fontRef>
+        </p:style>
+        <p:txBody>
+          <a:bodyPr wrap="square" rtlCol="0" anchor="ctr">
+            <a:noAutofit/>
+          </a:bodyPr>
+          <a:lstStyle/>
+          <a:p>
+            <a:pPr marL="0" marR="0" lvl="0" indent="0" algn="ctr" defTabSz="914400" rtl="0" eaLnBrk="1" fontAlgn="auto" latinLnBrk="0" hangingPunct="1">
+              <a:lnSpc>
+                <a:spcPct val="100000"/>
+              </a:lnSpc>
+              <a:spcBef>
+                <a:spcPts val="0"/>
+              </a:spcBef>
+              <a:spcAft>
+                <a:spcPts val="0"/>
+              </a:spcAft>
+              <a:buClrTx/>
+              <a:buSzTx/>
+              <a:buFontTx/>
+              <a:buNone/>
+              <a:tabLst/>
+              <a:defRPr/>
+            </a:pPr>
+            <a:endParaRPr kumimoji="0" lang="en-US" sz="1800" b="0" i="0" u="none" strike="noStrike" kern="1200" cap="none" spc="0" normalizeH="0" baseline="0" noProof="0">
+              <a:ln>
+                <a:noFill/>
+              </a:ln>
+              <a:solidFill>
+                <a:prstClr val="white"/>
+              </a:solidFill>
+              <a:effectLst/>
+              <a:uLnTx/>
+              <a:uFillTx/>
+              <a:latin typeface="Calibri" panose="020F0502020204030204"/>
+              <a:ea typeface="+mn-ea"/>
+              <a:cs typeface="+mn-cs"/>
+            </a:endParaRPr>
+          </a:p>
+        </p:txBody>
+      </p:sp>
       <p:sp>
         <p:nvSpPr>
           <p:cNvPr id="2" name="Title 1">
@@ -10574,21 +11167,182 @@
         </p:nvSpPr>
         <p:spPr>
           <a:xfrm>
-            <a:off x="630936" y="640080"/>
-            <a:ext cx="4818888" cy="1481328"/>
+            <a:off x="448056" y="681038"/>
+            <a:ext cx="2804504" cy="1325563"/>
           </a:xfrm>
         </p:spPr>
         <p:txBody>
-          <a:bodyPr anchor="b">
+          <a:bodyPr anchor="ctr">
             <a:normAutofit/>
           </a:bodyPr>
           <a:lstStyle/>
           <a:p>
             <a:r>
-              <a:rPr lang="en-US" altLang="zh-CN" sz="5400"/>
+              <a:rPr lang="en-US" altLang="zh-CN" sz="2800"/>
               <a:t>Train</a:t>
             </a:r>
-            <a:endParaRPr lang="zh-CN" altLang="en-US" sz="5400"/>
+            <a:endParaRPr lang="zh-CN" altLang="en-US" sz="2800"/>
+          </a:p>
+        </p:txBody>
+      </p:sp>
+      <p:sp>
+        <p:nvSpPr>
+          <p:cNvPr id="31" name="Rectangle 30">
+            <a:extLst>
+              <a:ext uri="{FF2B5EF4-FFF2-40B4-BE49-F238E27FC236}">
+                <a16:creationId xmlns:a16="http://schemas.microsoft.com/office/drawing/2014/main" id="{2A38CFE9-C30A-4551-ACCB-D5808FBC39CD}"/>
+              </a:ext>
+              <a:ext uri="{C183D7F6-B498-43B3-948B-1728B52AA6E4}">
+                <adec:decorative xmlns:adec="http://schemas.microsoft.com/office/drawing/2017/decorative" val="1"/>
+              </a:ext>
+            </a:extLst>
+          </p:cNvPr>
+          <p:cNvSpPr>
+            <a:spLocks noGrp="1" noRot="1" noChangeAspect="1" noMove="1" noResize="1" noEditPoints="1" noAdjustHandles="1" noChangeArrowheads="1" noChangeShapeType="1" noTextEdit="1"/>
+          </p:cNvSpPr>
+          <p:nvPr>
+            <p:extLst>
+              <p:ext uri="{386F3935-93C4-4BCD-93E2-E3B085C9AB24}">
+                <p16:designElem xmlns:p16="http://schemas.microsoft.com/office/powerpoint/2015/main" val="1"/>
+              </p:ext>
+            </p:extLst>
+          </p:nvPr>
+        </p:nvSpPr>
+        <p:spPr>
+          <a:xfrm>
+            <a:off x="0" y="1016867"/>
+            <a:ext cx="128016" cy="653903"/>
+          </a:xfrm>
+          <a:prstGeom prst="rect">
+            <a:avLst/>
+          </a:prstGeom>
+          <a:solidFill>
+            <a:schemeClr val="accent2"/>
+          </a:solidFill>
+          <a:ln>
+            <a:noFill/>
+          </a:ln>
+        </p:spPr>
+        <p:style>
+          <a:lnRef idx="2">
+            <a:schemeClr val="accent1">
+              <a:shade val="50000"/>
+            </a:schemeClr>
+          </a:lnRef>
+          <a:fillRef idx="1">
+            <a:schemeClr val="accent1"/>
+          </a:fillRef>
+          <a:effectRef idx="0">
+            <a:schemeClr val="accent1"/>
+          </a:effectRef>
+          <a:fontRef idx="minor">
+            <a:schemeClr val="lt1"/>
+          </a:fontRef>
+        </p:style>
+        <p:txBody>
+          <a:bodyPr rtlCol="0" anchor="ctr"/>
+          <a:lstStyle/>
+          <a:p>
+            <a:pPr algn="ctr"/>
+            <a:endParaRPr lang="en-US">
+              <a:solidFill>
+                <a:prstClr val="white"/>
+              </a:solidFill>
+              <a:latin typeface="Calibri" panose="020F0502020204030204"/>
+            </a:endParaRPr>
+          </a:p>
+        </p:txBody>
+      </p:sp>
+      <p:sp>
+        <p:nvSpPr>
+          <p:cNvPr id="33" name="Rectangle 32">
+            <a:extLst>
+              <a:ext uri="{FF2B5EF4-FFF2-40B4-BE49-F238E27FC236}">
+                <a16:creationId xmlns:a16="http://schemas.microsoft.com/office/drawing/2014/main" id="{67EF550F-47CE-4FB2-9DAC-12AD835C833D}"/>
+              </a:ext>
+              <a:ext uri="{C183D7F6-B498-43B3-948B-1728B52AA6E4}">
+                <adec:decorative xmlns:adec="http://schemas.microsoft.com/office/drawing/2017/decorative" val="1"/>
+              </a:ext>
+            </a:extLst>
+          </p:cNvPr>
+          <p:cNvSpPr>
+            <a:spLocks noGrp="1" noRot="1" noChangeAspect="1" noMove="1" noResize="1" noEditPoints="1" noAdjustHandles="1" noChangeArrowheads="1" noChangeShapeType="1" noTextEdit="1"/>
+          </p:cNvSpPr>
+          <p:nvPr>
+            <p:extLst>
+              <p:ext uri="{386F3935-93C4-4BCD-93E2-E3B085C9AB24}">
+                <p16:designElem xmlns:p16="http://schemas.microsoft.com/office/powerpoint/2015/main" val="1"/>
+              </p:ext>
+            </p:extLst>
+          </p:nvPr>
+        </p:nvSpPr>
+        <p:spPr>
+          <a:xfrm>
+            <a:off x="438912" y="2089941"/>
+            <a:ext cx="2834640" cy="18288"/>
+          </a:xfrm>
+          <a:prstGeom prst="rect">
+            <a:avLst/>
+          </a:prstGeom>
+          <a:solidFill>
+            <a:srgbClr val="D5D5D5"/>
+          </a:solidFill>
+          <a:ln w="3175">
+            <a:noFill/>
+          </a:ln>
+          <a:effectLst/>
+        </p:spPr>
+        <p:style>
+          <a:lnRef idx="2">
+            <a:schemeClr val="accent1">
+              <a:shade val="50000"/>
+            </a:schemeClr>
+          </a:lnRef>
+          <a:fillRef idx="1">
+            <a:schemeClr val="accent1"/>
+          </a:fillRef>
+          <a:effectRef idx="0">
+            <a:schemeClr val="accent1"/>
+          </a:effectRef>
+          <a:fontRef idx="minor">
+            <a:schemeClr val="lt1"/>
+          </a:fontRef>
+        </p:style>
+        <p:txBody>
+          <a:bodyPr rtlCol="0" anchor="ctr"/>
+          <a:lstStyle/>
+          <a:p>
+            <a:pPr marL="0" marR="0" lvl="0" indent="0" algn="ctr" defTabSz="914400" rtl="0" eaLnBrk="1" fontAlgn="auto" latinLnBrk="0" hangingPunct="1">
+              <a:lnSpc>
+                <a:spcPct val="100000"/>
+              </a:lnSpc>
+              <a:spcBef>
+                <a:spcPts val="0"/>
+              </a:spcBef>
+              <a:spcAft>
+                <a:spcPts val="0"/>
+              </a:spcAft>
+              <a:buClrTx/>
+              <a:buSzTx/>
+              <a:buFontTx/>
+              <a:buNone/>
+              <a:tabLst/>
+              <a:defRPr/>
+            </a:pPr>
+            <a:endParaRPr kumimoji="0" lang="en-US" sz="1800" b="0" i="0" u="none" strike="noStrike" kern="1200" cap="none" spc="0" normalizeH="0" baseline="0" noProof="0">
+              <a:ln>
+                <a:noFill/>
+              </a:ln>
+              <a:solidFill>
+                <a:prstClr val="white"/>
+              </a:solidFill>
+              <a:effectLst/>
+              <a:uLnTx/>
+              <a:uFillTx/>
+              <a:latin typeface="Calibri" panose="020F0502020204030204"/>
+              <a:ea typeface="+mn-ea"/>
+              <a:cs typeface="+mn-cs"/>
+            </a:endParaRPr>
           </a:p>
         </p:txBody>
       </p:sp>
@@ -10610,74 +11364,44 @@
         </p:nvSpPr>
         <p:spPr>
           <a:xfrm>
-            <a:off x="630936" y="2660904"/>
-            <a:ext cx="4818888" cy="3547872"/>
+            <a:off x="448056" y="2258171"/>
+            <a:ext cx="2804504" cy="3918792"/>
           </a:xfrm>
         </p:spPr>
         <p:txBody>
-          <a:bodyPr anchor="t">
+          <a:bodyPr>
             <a:normAutofit/>
           </a:bodyPr>
           <a:lstStyle/>
           <a:p>
             <a:r>
-              <a:rPr lang="en-US" altLang="zh-CN" sz="2200" dirty="0"/>
+              <a:rPr lang="en-US" altLang="zh-CN" sz="1800" dirty="0"/>
               <a:t>Train and Val set</a:t>
             </a:r>
           </a:p>
           <a:p>
             <a:r>
-              <a:rPr lang="en-US" altLang="zh-CN" sz="2200" dirty="0"/>
+              <a:rPr lang="en-US" altLang="zh-CN" sz="1800" dirty="0"/>
               <a:t>Batch size, shuffle, multi threads ...</a:t>
             </a:r>
           </a:p>
           <a:p>
             <a:r>
-              <a:rPr lang="en-US" altLang="zh-CN" sz="2200" dirty="0"/>
-              <a:t>Backbone initialization</a:t>
-            </a:r>
-          </a:p>
-          <a:p>
-            <a:r>
-              <a:rPr lang="en-US" altLang="zh-CN" sz="2200" dirty="0"/>
+              <a:rPr lang="en-US" altLang="zh-CN" sz="1800" dirty="0"/>
+              <a:t>Backbone initializations</a:t>
+            </a:r>
+          </a:p>
+          <a:p>
+            <a:r>
+              <a:rPr lang="en-US" altLang="zh-CN" sz="1800" dirty="0"/>
               <a:t>Training resume</a:t>
             </a:r>
           </a:p>
           <a:p>
-            <a:endParaRPr lang="zh-CN" altLang="en-US" sz="2200" dirty="0"/>
+            <a:endParaRPr lang="zh-CN" altLang="en-US" sz="1800" dirty="0"/>
           </a:p>
         </p:txBody>
       </p:sp>
-      <p:pic>
-        <p:nvPicPr>
-          <p:cNvPr id="7" name="Picture 6">
-            <a:extLst>
-              <a:ext uri="{FF2B5EF4-FFF2-40B4-BE49-F238E27FC236}">
-                <a16:creationId xmlns:a16="http://schemas.microsoft.com/office/drawing/2014/main" id="{AB36BF75-277D-C936-C5E8-9287F1B37208}"/>
-              </a:ext>
-            </a:extLst>
-          </p:cNvPr>
-          <p:cNvPicPr>
-            <a:picLocks noChangeAspect="1"/>
-          </p:cNvPicPr>
-          <p:nvPr/>
-        </p:nvPicPr>
-        <p:blipFill>
-          <a:blip r:embed="rId2"/>
-          <a:stretch>
-            <a:fillRect/>
-          </a:stretch>
-        </p:blipFill>
-        <p:spPr>
-          <a:xfrm>
-            <a:off x="5989279" y="399330"/>
-            <a:ext cx="5559443" cy="6059339"/>
-          </a:xfrm>
-          <a:prstGeom prst="rect">
-            <a:avLst/>
-          </a:prstGeom>
-        </p:spPr>
-      </p:pic>
     </p:spTree>
     <p:extLst>
       <p:ext uri="{BB962C8B-B14F-4D97-AF65-F5344CB8AC3E}">
